--- a/documentacao/Projeto Integrador 2019 CELEBRATE FESTAS E EVENTOS.pptx
+++ b/documentacao/Projeto Integrador 2019 CELEBRATE FESTAS E EVENTOS.pptx
@@ -15,20 +15,18 @@
     <p:sldId id="260" r:id="rId10"/>
     <p:sldId id="261" r:id="rId11"/>
     <p:sldId id="262" r:id="rId12"/>
-    <p:sldId id="263" r:id="rId13"/>
-    <p:sldId id="264" r:id="rId14"/>
   </p:sldIdLst>
   <p:sldSz cy="5143500" cx="9144000"/>
   <p:notesSz cx="6858000" cy="9144000"/>
   <p:embeddedFontLst>
     <p:embeddedFont>
       <p:font typeface="Average"/>
-      <p:regular r:id="rId15"/>
+      <p:regular r:id="rId13"/>
     </p:embeddedFont>
     <p:embeddedFont>
       <p:font typeface="Oswald"/>
-      <p:regular r:id="rId16"/>
-      <p:bold r:id="rId17"/>
+      <p:regular r:id="rId14"/>
+      <p:bold r:id="rId15"/>
     </p:embeddedFont>
   </p:embeddedFontLst>
   <p:defaultTextStyle>
@@ -1219,7 +1217,7 @@
       </p:grpSpPr>
       <p:sp>
         <p:nvSpPr>
-          <p:cNvPr id="86" name="Google Shape;86;g6b05c26b6a_0_72:notes"/>
+          <p:cNvPr id="86" name="Google Shape;86;g6b05c26b6a_0_77:notes"/>
           <p:cNvSpPr/>
           <p:nvPr>
             <p:ph idx="2" type="sldImg"/>
@@ -1254,7 +1252,7 @@
       </p:sp>
       <p:sp>
         <p:nvSpPr>
-          <p:cNvPr id="87" name="Google Shape;87;g6b05c26b6a_0_72:notes"/>
+          <p:cNvPr id="87" name="Google Shape;87;g6b05c26b6a_0_77:notes"/>
           <p:cNvSpPr txBox="1"/>
           <p:nvPr>
             <p:ph idx="1" type="body"/>
@@ -1304,7 +1302,7 @@
   <p:cSld>
     <p:spTree>
       <p:nvGrpSpPr>
-        <p:cNvPr id="91" name="Shape 91"/>
+        <p:cNvPr id="92" name="Shape 92"/>
         <p:cNvGrpSpPr/>
         <p:nvPr/>
       </p:nvGrpSpPr>
@@ -1318,7 +1316,7 @@
       </p:grpSpPr>
       <p:sp>
         <p:nvSpPr>
-          <p:cNvPr id="92" name="Google Shape;92;g6b5cc06175_0_0:notes"/>
+          <p:cNvPr id="93" name="Google Shape;93;g6b05c26b6a_0_85:notes"/>
           <p:cNvSpPr/>
           <p:nvPr>
             <p:ph idx="2" type="sldImg"/>
@@ -1353,205 +1351,7 @@
       </p:sp>
       <p:sp>
         <p:nvSpPr>
-          <p:cNvPr id="93" name="Google Shape;93;g6b5cc06175_0_0:notes"/>
-          <p:cNvSpPr txBox="1"/>
-          <p:nvPr>
-            <p:ph idx="1" type="body"/>
-          </p:nvPr>
-        </p:nvSpPr>
-        <p:spPr>
-          <a:xfrm>
-            <a:off x="685800" y="4343400"/>
-            <a:ext cx="5486400" cy="4114800"/>
-          </a:xfrm>
-          <a:prstGeom prst="rect">
-            <a:avLst/>
-          </a:prstGeom>
-        </p:spPr>
-        <p:txBody>
-          <a:bodyPr anchorCtr="0" anchor="t" bIns="91425" lIns="91425" spcFirstLastPara="1" rIns="91425" wrap="square" tIns="91425">
-            <a:noAutofit/>
-          </a:bodyPr>
-          <a:lstStyle/>
-          <a:p>
-            <a:pPr indent="0" lvl="0" marL="0" rtl="0" algn="l">
-              <a:spcBef>
-                <a:spcPts val="0"/>
-              </a:spcBef>
-              <a:spcAft>
-                <a:spcPts val="0"/>
-              </a:spcAft>
-              <a:buNone/>
-            </a:pPr>
-            <a:r>
-              <a:t/>
-            </a:r>
-            <a:endParaRPr/>
-          </a:p>
-        </p:txBody>
-      </p:sp>
-    </p:spTree>
-  </p:cSld>
-  <p:clrMapOvr>
-    <a:masterClrMapping/>
-  </p:clrMapOvr>
-</p:notes>
-</file>
-
-<file path=ppt/notesSlides/notesSlide8.xml><?xml version="1.0" encoding="utf-8"?>
-<p:notes xmlns:a="http://schemas.openxmlformats.org/drawingml/2006/main" xmlns:r="http://schemas.openxmlformats.org/officeDocument/2006/relationships" xmlns:mc="http://schemas.openxmlformats.org/markup-compatibility/2006" xmlns:mv="urn:schemas-microsoft-com:mac:vml" xmlns:p="http://schemas.openxmlformats.org/presentationml/2006/main" xmlns:c="http://schemas.openxmlformats.org/drawingml/2006/chart" xmlns:dgm="http://schemas.openxmlformats.org/drawingml/2006/diagram" xmlns:o="urn:schemas-microsoft-com:office:office" xmlns:v="urn:schemas-microsoft-com:vml" xmlns:pvml="urn:schemas-microsoft-com:office:powerpoint" xmlns:com="http://schemas.openxmlformats.org/drawingml/2006/compatibility" xmlns:p14="http://schemas.microsoft.com/office/powerpoint/2010/main" xmlns:p15="http://schemas.microsoft.com/office/powerpoint/2012/main" showMasterPhAnim="0" showMasterSp="0">
-  <p:cSld>
-    <p:spTree>
-      <p:nvGrpSpPr>
-        <p:cNvPr id="97" name="Shape 97"/>
-        <p:cNvGrpSpPr/>
-        <p:nvPr/>
-      </p:nvGrpSpPr>
-      <p:grpSpPr>
-        <a:xfrm>
-          <a:off x="0" y="0"/>
-          <a:ext cx="0" cy="0"/>
-          <a:chOff x="0" y="0"/>
-          <a:chExt cx="0" cy="0"/>
-        </a:xfrm>
-      </p:grpSpPr>
-      <p:sp>
-        <p:nvSpPr>
-          <p:cNvPr id="98" name="Google Shape;98;g6b05c26b6a_0_77:notes"/>
-          <p:cNvSpPr/>
-          <p:nvPr>
-            <p:ph idx="2" type="sldImg"/>
-          </p:nvPr>
-        </p:nvSpPr>
-        <p:spPr>
-          <a:xfrm>
-            <a:off x="381300" y="685800"/>
-            <a:ext cx="6096000" cy="3429000"/>
-          </a:xfrm>
-          <a:custGeom>
-            <a:rect b="b" l="l" r="r" t="t"/>
-            <a:pathLst>
-              <a:path extrusionOk="0" h="120000" w="120000">
-                <a:moveTo>
-                  <a:pt x="0" y="0"/>
-                </a:moveTo>
-                <a:lnTo>
-                  <a:pt x="120000" y="0"/>
-                </a:lnTo>
-                <a:lnTo>
-                  <a:pt x="120000" y="120000"/>
-                </a:lnTo>
-                <a:lnTo>
-                  <a:pt x="0" y="120000"/>
-                </a:lnTo>
-                <a:close/>
-              </a:path>
-            </a:pathLst>
-          </a:custGeom>
-        </p:spPr>
-      </p:sp>
-      <p:sp>
-        <p:nvSpPr>
-          <p:cNvPr id="99" name="Google Shape;99;g6b05c26b6a_0_77:notes"/>
-          <p:cNvSpPr txBox="1"/>
-          <p:nvPr>
-            <p:ph idx="1" type="body"/>
-          </p:nvPr>
-        </p:nvSpPr>
-        <p:spPr>
-          <a:xfrm>
-            <a:off x="685800" y="4343400"/>
-            <a:ext cx="5486400" cy="4114800"/>
-          </a:xfrm>
-          <a:prstGeom prst="rect">
-            <a:avLst/>
-          </a:prstGeom>
-        </p:spPr>
-        <p:txBody>
-          <a:bodyPr anchorCtr="0" anchor="t" bIns="91425" lIns="91425" spcFirstLastPara="1" rIns="91425" wrap="square" tIns="91425">
-            <a:noAutofit/>
-          </a:bodyPr>
-          <a:lstStyle/>
-          <a:p>
-            <a:pPr indent="0" lvl="0" marL="0" rtl="0" algn="l">
-              <a:spcBef>
-                <a:spcPts val="0"/>
-              </a:spcBef>
-              <a:spcAft>
-                <a:spcPts val="0"/>
-              </a:spcAft>
-              <a:buNone/>
-            </a:pPr>
-            <a:r>
-              <a:t/>
-            </a:r>
-            <a:endParaRPr/>
-          </a:p>
-        </p:txBody>
-      </p:sp>
-    </p:spTree>
-  </p:cSld>
-  <p:clrMapOvr>
-    <a:masterClrMapping/>
-  </p:clrMapOvr>
-</p:notes>
-</file>
-
-<file path=ppt/notesSlides/notesSlide9.xml><?xml version="1.0" encoding="utf-8"?>
-<p:notes xmlns:a="http://schemas.openxmlformats.org/drawingml/2006/main" xmlns:r="http://schemas.openxmlformats.org/officeDocument/2006/relationships" xmlns:mc="http://schemas.openxmlformats.org/markup-compatibility/2006" xmlns:mv="urn:schemas-microsoft-com:mac:vml" xmlns:p="http://schemas.openxmlformats.org/presentationml/2006/main" xmlns:c="http://schemas.openxmlformats.org/drawingml/2006/chart" xmlns:dgm="http://schemas.openxmlformats.org/drawingml/2006/diagram" xmlns:o="urn:schemas-microsoft-com:office:office" xmlns:v="urn:schemas-microsoft-com:vml" xmlns:pvml="urn:schemas-microsoft-com:office:powerpoint" xmlns:com="http://schemas.openxmlformats.org/drawingml/2006/compatibility" xmlns:p14="http://schemas.microsoft.com/office/powerpoint/2010/main" xmlns:p15="http://schemas.microsoft.com/office/powerpoint/2012/main" showMasterPhAnim="0" showMasterSp="0">
-  <p:cSld>
-    <p:spTree>
-      <p:nvGrpSpPr>
-        <p:cNvPr id="104" name="Shape 104"/>
-        <p:cNvGrpSpPr/>
-        <p:nvPr/>
-      </p:nvGrpSpPr>
-      <p:grpSpPr>
-        <a:xfrm>
-          <a:off x="0" y="0"/>
-          <a:ext cx="0" cy="0"/>
-          <a:chOff x="0" y="0"/>
-          <a:chExt cx="0" cy="0"/>
-        </a:xfrm>
-      </p:grpSpPr>
-      <p:sp>
-        <p:nvSpPr>
-          <p:cNvPr id="105" name="Google Shape;105;g6b05c26b6a_0_85:notes"/>
-          <p:cNvSpPr/>
-          <p:nvPr>
-            <p:ph idx="2" type="sldImg"/>
-          </p:nvPr>
-        </p:nvSpPr>
-        <p:spPr>
-          <a:xfrm>
-            <a:off x="381300" y="685800"/>
-            <a:ext cx="6096000" cy="3429000"/>
-          </a:xfrm>
-          <a:custGeom>
-            <a:rect b="b" l="l" r="r" t="t"/>
-            <a:pathLst>
-              <a:path extrusionOk="0" h="120000" w="120000">
-                <a:moveTo>
-                  <a:pt x="0" y="0"/>
-                </a:moveTo>
-                <a:lnTo>
-                  <a:pt x="120000" y="0"/>
-                </a:lnTo>
-                <a:lnTo>
-                  <a:pt x="120000" y="120000"/>
-                </a:lnTo>
-                <a:lnTo>
-                  <a:pt x="0" y="120000"/>
-                </a:lnTo>
-                <a:close/>
-              </a:path>
-            </a:pathLst>
-          </a:custGeom>
-        </p:spPr>
-      </p:sp>
-      <p:sp>
-        <p:nvSpPr>
-          <p:cNvPr id="106" name="Google Shape;106;g6b05c26b6a_0_85:notes"/>
+          <p:cNvPr id="94" name="Google Shape;94;g6b05c26b6a_0_85:notes"/>
           <p:cNvSpPr txBox="1"/>
           <p:nvPr>
             <p:ph idx="1" type="body"/>
@@ -7558,8 +7358,8 @@
         </p:nvSpPr>
         <p:spPr>
           <a:xfrm>
-            <a:off x="76200" y="735375"/>
-            <a:ext cx="8939100" cy="3968400"/>
+            <a:off x="228600" y="811575"/>
+            <a:ext cx="8763000" cy="3968400"/>
           </a:xfrm>
           <a:prstGeom prst="rect">
             <a:avLst/>
@@ -7632,6 +7432,32 @@
             </a:endParaRPr>
           </a:p>
           <a:p>
+            <a:pPr indent="457200" lvl="0" marL="0" rtl="0" algn="l">
+              <a:lnSpc>
+                <a:spcPct val="100000"/>
+              </a:lnSpc>
+              <a:spcBef>
+                <a:spcPts val="0"/>
+              </a:spcBef>
+              <a:spcAft>
+                <a:spcPts val="0"/>
+              </a:spcAft>
+              <a:buNone/>
+            </a:pPr>
+            <a:r>
+              <a:t/>
+            </a:r>
+            <a:endParaRPr sz="1000">
+              <a:solidFill>
+                <a:schemeClr val="dk1"/>
+              </a:solidFill>
+              <a:latin typeface="Oswald"/>
+              <a:ea typeface="Oswald"/>
+              <a:cs typeface="Oswald"/>
+              <a:sym typeface="Oswald"/>
+            </a:endParaRPr>
+          </a:p>
+          <a:p>
             <a:pPr indent="-349250" lvl="0" marL="457200" rtl="0" algn="just">
               <a:spcBef>
                 <a:spcPts val="0"/>
@@ -7656,7 +7482,7 @@
                 <a:cs typeface="Oswald"/>
                 <a:sym typeface="Oswald"/>
               </a:rPr>
-              <a:t>RF001: O sistema deve permitir o cadastro de usuários.</a:t>
+              <a:t>RF001: O sistema deve permitir o cadastro de usuários;</a:t>
             </a:r>
             <a:endParaRPr sz="1900">
               <a:solidFill>
@@ -7716,7 +7542,7 @@
                 <a:cs typeface="Oswald"/>
                 <a:sym typeface="Oswald"/>
               </a:rPr>
-              <a:t>RF002: O sistema deve permitir que o usuário realize login.</a:t>
+              <a:t>RF002: O sistema deve permitir que o usuário realize login;</a:t>
             </a:r>
             <a:endParaRPr sz="1900">
               <a:solidFill>
@@ -7729,7 +7555,7 @@
             </a:endParaRPr>
           </a:p>
           <a:p>
-            <a:pPr indent="0" lvl="0" marL="457200" rtl="0" algn="just">
+            <a:pPr indent="0" lvl="0" marL="0" rtl="0" algn="just">
               <a:spcBef>
                 <a:spcPts val="0"/>
               </a:spcBef>
@@ -7776,7 +7602,7 @@
                 <a:cs typeface="Oswald"/>
                 <a:sym typeface="Oswald"/>
               </a:rPr>
-              <a:t>RF003: O sistema deve permitir que o usuário visualize seu perfil.</a:t>
+              <a:t>RF005: O sistema deve permitir que o usuário monte sua agenda;</a:t>
             </a:r>
             <a:endParaRPr sz="1900">
               <a:solidFill>
@@ -7820,7 +7646,7 @@
                 <a:spcPts val="0"/>
               </a:spcAft>
               <a:buClr>
-                <a:srgbClr val="FFFFFF"/>
+                <a:schemeClr val="dk1"/>
               </a:buClr>
               <a:buSzPts val="1900"/>
               <a:buFont typeface="Oswald"/>
@@ -7829,18 +7655,78 @@
             <a:r>
               <a:rPr lang="pt-BR" sz="1900">
                 <a:solidFill>
-                  <a:srgbClr val="FFFFFF"/>
+                  <a:schemeClr val="dk1"/>
                 </a:solidFill>
                 <a:latin typeface="Oswald"/>
                 <a:ea typeface="Oswald"/>
                 <a:cs typeface="Oswald"/>
                 <a:sym typeface="Oswald"/>
               </a:rPr>
-              <a:t>RF004: O sistema deve permitir a exclusão e alteração da conta do usuário.</a:t>
+              <a:t>RF007: O sistema deve permitir que o usuário realize o cadastro de eventos;</a:t>
             </a:r>
             <a:endParaRPr sz="1900">
               <a:solidFill>
-                <a:srgbClr val="FFFFFF"/>
+                <a:schemeClr val="dk1"/>
+              </a:solidFill>
+              <a:latin typeface="Oswald"/>
+              <a:ea typeface="Oswald"/>
+              <a:cs typeface="Oswald"/>
+              <a:sym typeface="Oswald"/>
+            </a:endParaRPr>
+          </a:p>
+          <a:p>
+            <a:pPr indent="0" lvl="0" marL="0" rtl="0" algn="just">
+              <a:spcBef>
+                <a:spcPts val="0"/>
+              </a:spcBef>
+              <a:spcAft>
+                <a:spcPts val="0"/>
+              </a:spcAft>
+              <a:buNone/>
+            </a:pPr>
+            <a:r>
+              <a:t/>
+            </a:r>
+            <a:endParaRPr sz="1900">
+              <a:solidFill>
+                <a:schemeClr val="dk1"/>
+              </a:solidFill>
+              <a:latin typeface="Oswald"/>
+              <a:ea typeface="Oswald"/>
+              <a:cs typeface="Oswald"/>
+              <a:sym typeface="Oswald"/>
+            </a:endParaRPr>
+          </a:p>
+          <a:p>
+            <a:pPr indent="-349250" lvl="0" marL="457200" rtl="0" algn="just">
+              <a:spcBef>
+                <a:spcPts val="0"/>
+              </a:spcBef>
+              <a:spcAft>
+                <a:spcPts val="0"/>
+              </a:spcAft>
+              <a:buClr>
+                <a:schemeClr val="dk1"/>
+              </a:buClr>
+              <a:buSzPts val="1900"/>
+              <a:buFont typeface="Oswald"/>
+              <a:buChar char="●"/>
+            </a:pPr>
+            <a:r>
+              <a:rPr lang="pt-BR" sz="1900">
+                <a:solidFill>
+                  <a:schemeClr val="dk1"/>
+                </a:solidFill>
+                <a:latin typeface="Oswald"/>
+                <a:ea typeface="Oswald"/>
+                <a:cs typeface="Oswald"/>
+                <a:sym typeface="Oswald"/>
+              </a:rPr>
+              <a:t>RF010: O sistema deve permitir que o usuário crie uma lista de convidados a partir do evento;</a:t>
+            </a:r>
+            <a:endParaRPr sz="1900">
+              <a:solidFill>
+                <a:schemeClr val="dk1"/>
               </a:solidFill>
               <a:latin typeface="Oswald"/>
               <a:ea typeface="Oswald"/>
@@ -7863,7 +7749,7 @@
             </a:r>
             <a:endParaRPr sz="1900">
               <a:solidFill>
-                <a:srgbClr val="FFFFFF"/>
+                <a:schemeClr val="dk1"/>
               </a:solidFill>
               <a:latin typeface="Oswald"/>
               <a:ea typeface="Oswald"/>
@@ -7872,35 +7758,21 @@
             </a:endParaRPr>
           </a:p>
           <a:p>
-            <a:pPr indent="-349250" lvl="0" marL="457200" rtl="0" algn="just">
-              <a:spcBef>
-                <a:spcPts val="0"/>
-              </a:spcBef>
-              <a:spcAft>
-                <a:spcPts val="0"/>
-              </a:spcAft>
-              <a:buClr>
-                <a:srgbClr val="FFFFFF"/>
-              </a:buClr>
-              <a:buSzPts val="1900"/>
-              <a:buFont typeface="Oswald"/>
-              <a:buChar char="●"/>
+            <a:pPr indent="0" lvl="0" marL="457200" rtl="0" algn="just">
+              <a:spcBef>
+                <a:spcPts val="0"/>
+              </a:spcBef>
+              <a:spcAft>
+                <a:spcPts val="0"/>
+              </a:spcAft>
+              <a:buNone/>
             </a:pPr>
             <a:r>
-              <a:rPr lang="pt-BR" sz="1900">
-                <a:solidFill>
-                  <a:srgbClr val="FFFFFF"/>
-                </a:solidFill>
-                <a:latin typeface="Oswald"/>
-                <a:ea typeface="Oswald"/>
-                <a:cs typeface="Oswald"/>
-                <a:sym typeface="Oswald"/>
-              </a:rPr>
-              <a:t>RF005: O sistema deve permitir que o usuário monte sua agenda, em que os dados serão armazenados e mostrados ao usuário para melhor organização durante os dias antecedentes ao evento.</a:t>
+              <a:t/>
             </a:r>
-            <a:endParaRPr>
+            <a:endParaRPr sz="1900">
               <a:solidFill>
-                <a:srgbClr val="EFEFEF"/>
+                <a:schemeClr val="dk1"/>
               </a:solidFill>
               <a:latin typeface="Oswald"/>
               <a:ea typeface="Oswald"/>
@@ -8001,7 +7873,7 @@
         <p:spPr>
           <a:xfrm>
             <a:off x="-157500" y="709750"/>
-            <a:ext cx="9301500" cy="4222200"/>
+            <a:ext cx="9144000" cy="4222200"/>
           </a:xfrm>
           <a:prstGeom prst="rect">
             <a:avLst/>
@@ -8060,70 +7932,7 @@
             </a:endParaRPr>
           </a:p>
           <a:p>
-            <a:pPr indent="457200" lvl="0" marL="0" rtl="0" algn="l">
-              <a:lnSpc>
-                <a:spcPct val="100000"/>
-              </a:lnSpc>
-              <a:spcBef>
-                <a:spcPts val="0"/>
-              </a:spcBef>
-              <a:spcAft>
-                <a:spcPts val="0"/>
-              </a:spcAft>
-              <a:buNone/>
-            </a:pPr>
-            <a:r>
-              <a:t/>
-            </a:r>
-            <a:endParaRPr sz="2000">
-              <a:solidFill>
-                <a:srgbClr val="FFFFFF"/>
-              </a:solidFill>
-              <a:latin typeface="Oswald"/>
-              <a:ea typeface="Oswald"/>
-              <a:cs typeface="Oswald"/>
-              <a:sym typeface="Oswald"/>
-            </a:endParaRPr>
-          </a:p>
-          <a:p>
-            <a:pPr indent="-349250" lvl="0" marL="914400" rtl="0" algn="just">
-              <a:spcBef>
-                <a:spcPts val="0"/>
-              </a:spcBef>
-              <a:spcAft>
-                <a:spcPts val="0"/>
-              </a:spcAft>
-              <a:buClr>
-                <a:srgbClr val="FFFFFF"/>
-              </a:buClr>
-              <a:buSzPts val="1900"/>
-              <a:buFont typeface="Oswald"/>
-              <a:buChar char="●"/>
-            </a:pPr>
-            <a:r>
-              <a:rPr lang="pt-BR" sz="1900">
-                <a:solidFill>
-                  <a:srgbClr val="FFFFFF"/>
-                </a:solidFill>
-                <a:latin typeface="Oswald"/>
-                <a:ea typeface="Oswald"/>
-                <a:cs typeface="Oswald"/>
-                <a:sym typeface="Oswald"/>
-              </a:rPr>
-              <a:t>RF006: O sistema deve permitir a conclusão e alteração de tarefas contidas na agenda.</a:t>
-            </a:r>
-            <a:endParaRPr sz="1900">
-              <a:solidFill>
-                <a:srgbClr val="FFFFFF"/>
-              </a:solidFill>
-              <a:latin typeface="Oswald"/>
-              <a:ea typeface="Oswald"/>
-              <a:cs typeface="Oswald"/>
-              <a:sym typeface="Oswald"/>
-            </a:endParaRPr>
-          </a:p>
-          <a:p>
-            <a:pPr indent="0" lvl="0" marL="914400" rtl="0" algn="just">
+            <a:pPr indent="0" lvl="0" marL="0" rtl="0" algn="just">
               <a:spcBef>
                 <a:spcPts val="0"/>
               </a:spcBef>
@@ -8154,7 +7963,7 @@
                 <a:spcPts val="0"/>
               </a:spcAft>
               <a:buClr>
-                <a:srgbClr val="FFFFFF"/>
+                <a:schemeClr val="dk1"/>
               </a:buClr>
               <a:buSzPts val="1900"/>
               <a:buFont typeface="Oswald"/>
@@ -8163,18 +7972,78 @@
             <a:r>
               <a:rPr lang="pt-BR" sz="1900">
                 <a:solidFill>
-                  <a:srgbClr val="FFFFFF"/>
+                  <a:schemeClr val="dk1"/>
                 </a:solidFill>
                 <a:latin typeface="Oswald"/>
                 <a:ea typeface="Oswald"/>
                 <a:cs typeface="Oswald"/>
                 <a:sym typeface="Oswald"/>
               </a:rPr>
-              <a:t>RF007: O sistema deve permitir que o usuário realize o cadastro de eventos.</a:t>
+              <a:t>RF012: O sistema deve ser capaz de calcular as despesas do usuário, a partir de dados fornecidos por ele, conforme evento;</a:t>
             </a:r>
             <a:endParaRPr sz="1900">
               <a:solidFill>
-                <a:srgbClr val="FFFFFF"/>
+                <a:schemeClr val="dk1"/>
+              </a:solidFill>
+              <a:latin typeface="Oswald"/>
+              <a:ea typeface="Oswald"/>
+              <a:cs typeface="Oswald"/>
+              <a:sym typeface="Oswald"/>
+            </a:endParaRPr>
+          </a:p>
+          <a:p>
+            <a:pPr indent="0" lvl="0" marL="457200" rtl="0" algn="just">
+              <a:spcBef>
+                <a:spcPts val="0"/>
+              </a:spcBef>
+              <a:spcAft>
+                <a:spcPts val="0"/>
+              </a:spcAft>
+              <a:buNone/>
+            </a:pPr>
+            <a:r>
+              <a:t/>
+            </a:r>
+            <a:endParaRPr sz="1900">
+              <a:solidFill>
+                <a:schemeClr val="dk1"/>
+              </a:solidFill>
+              <a:latin typeface="Oswald"/>
+              <a:ea typeface="Oswald"/>
+              <a:cs typeface="Oswald"/>
+              <a:sym typeface="Oswald"/>
+            </a:endParaRPr>
+          </a:p>
+          <a:p>
+            <a:pPr indent="-349250" lvl="0" marL="914400" rtl="0" algn="just">
+              <a:spcBef>
+                <a:spcPts val="0"/>
+              </a:spcBef>
+              <a:spcAft>
+                <a:spcPts val="0"/>
+              </a:spcAft>
+              <a:buClr>
+                <a:schemeClr val="dk1"/>
+              </a:buClr>
+              <a:buSzPts val="1900"/>
+              <a:buFont typeface="Oswald"/>
+              <a:buChar char="●"/>
+            </a:pPr>
+            <a:r>
+              <a:rPr lang="pt-BR" sz="1900">
+                <a:solidFill>
+                  <a:schemeClr val="dk1"/>
+                </a:solidFill>
+                <a:latin typeface="Oswald"/>
+                <a:ea typeface="Oswald"/>
+                <a:cs typeface="Oswald"/>
+                <a:sym typeface="Oswald"/>
+              </a:rPr>
+              <a:t>RF014: O sistema deve permitir que o usuário realize o cadastro de suas empresas;</a:t>
+            </a:r>
+            <a:endParaRPr sz="1900">
+              <a:solidFill>
+                <a:schemeClr val="dk1"/>
               </a:solidFill>
               <a:latin typeface="Oswald"/>
               <a:ea typeface="Oswald"/>
@@ -8197,7 +8066,7 @@
             </a:r>
             <a:endParaRPr sz="1900">
               <a:solidFill>
-                <a:srgbClr val="FFFFFF"/>
+                <a:schemeClr val="dk1"/>
               </a:solidFill>
               <a:latin typeface="Oswald"/>
               <a:ea typeface="Oswald"/>
@@ -8214,7 +8083,7 @@
                 <a:spcPts val="0"/>
               </a:spcAft>
               <a:buClr>
-                <a:srgbClr val="FFFFFF"/>
+                <a:schemeClr val="dk1"/>
               </a:buClr>
               <a:buSzPts val="1900"/>
               <a:buFont typeface="Oswald"/>
@@ -8223,18 +8092,18 @@
             <a:r>
               <a:rPr lang="pt-BR" sz="1900">
                 <a:solidFill>
-                  <a:srgbClr val="FFFFFF"/>
+                  <a:schemeClr val="dk1"/>
                 </a:solidFill>
                 <a:latin typeface="Oswald"/>
                 <a:ea typeface="Oswald"/>
                 <a:cs typeface="Oswald"/>
                 <a:sym typeface="Oswald"/>
               </a:rPr>
-              <a:t>RF008: O sistema deve permitir que o usuário tenha acesso ao perfil de cada evento cadastrado por ele.</a:t>
+              <a:t>RF016: O sistema deve permitir que o usuário proprietário adicione fotos na galeria de fotos no perfil da sua empresa;</a:t>
             </a:r>
             <a:endParaRPr sz="1900">
               <a:solidFill>
-                <a:srgbClr val="FFFFFF"/>
+                <a:schemeClr val="dk1"/>
               </a:solidFill>
               <a:latin typeface="Oswald"/>
               <a:ea typeface="Oswald"/>
@@ -8243,7 +8112,7 @@
             </a:endParaRPr>
           </a:p>
           <a:p>
-            <a:pPr indent="0" lvl="0" marL="914400" rtl="0" algn="just">
+            <a:pPr indent="0" lvl="0" marL="457200" rtl="0" algn="just">
               <a:spcBef>
                 <a:spcPts val="0"/>
               </a:spcBef>
@@ -8257,7 +8126,7 @@
             </a:r>
             <a:endParaRPr sz="1900">
               <a:solidFill>
-                <a:srgbClr val="FFFFFF"/>
+                <a:schemeClr val="dk1"/>
               </a:solidFill>
               <a:latin typeface="Oswald"/>
               <a:ea typeface="Oswald"/>
@@ -8274,7 +8143,7 @@
                 <a:spcPts val="0"/>
               </a:spcAft>
               <a:buClr>
-                <a:srgbClr val="FFFFFF"/>
+                <a:schemeClr val="dk1"/>
               </a:buClr>
               <a:buSzPts val="1900"/>
               <a:buFont typeface="Oswald"/>
@@ -8283,18 +8152,18 @@
             <a:r>
               <a:rPr lang="pt-BR" sz="1900">
                 <a:solidFill>
-                  <a:srgbClr val="FFFFFF"/>
+                  <a:schemeClr val="dk1"/>
                 </a:solidFill>
                 <a:latin typeface="Oswald"/>
                 <a:ea typeface="Oswald"/>
                 <a:cs typeface="Oswald"/>
                 <a:sym typeface="Oswald"/>
               </a:rPr>
-              <a:t>RF009: O sistema deve permitir a exclusão e alteração do evento.</a:t>
+              <a:t>RF019: O sistema deve permitir a busca por diversas categorias como: nome da empresa, cidade e categorias de evento;</a:t>
             </a:r>
             <a:endParaRPr sz="1900">
               <a:solidFill>
-                <a:srgbClr val="FFFFFF"/>
+                <a:schemeClr val="dk1"/>
               </a:solidFill>
               <a:latin typeface="Oswald"/>
               <a:ea typeface="Oswald"/>
@@ -8303,7 +8172,7 @@
             </a:endParaRPr>
           </a:p>
           <a:p>
-            <a:pPr indent="0" lvl="0" marL="914400" rtl="0" algn="just">
+            <a:pPr indent="0" lvl="0" marL="0" rtl="0" algn="just">
               <a:spcBef>
                 <a:spcPts val="0"/>
               </a:spcBef>
@@ -8317,7 +8186,7 @@
             </a:r>
             <a:endParaRPr sz="1900">
               <a:solidFill>
-                <a:srgbClr val="FFFFFF"/>
+                <a:schemeClr val="dk1"/>
               </a:solidFill>
               <a:latin typeface="Oswald"/>
               <a:ea typeface="Oswald"/>
@@ -8326,35 +8195,44 @@
             </a:endParaRPr>
           </a:p>
           <a:p>
-            <a:pPr indent="-349250" lvl="0" marL="914400" rtl="0" algn="just">
-              <a:spcBef>
-                <a:spcPts val="0"/>
-              </a:spcBef>
-              <a:spcAft>
-                <a:spcPts val="0"/>
-              </a:spcAft>
-              <a:buClr>
-                <a:srgbClr val="FFFFFF"/>
-              </a:buClr>
-              <a:buSzPts val="1900"/>
-              <a:buFont typeface="Oswald"/>
-              <a:buChar char="●"/>
+            <a:pPr indent="0" lvl="0" marL="0" rtl="0" algn="just">
+              <a:spcBef>
+                <a:spcPts val="0"/>
+              </a:spcBef>
+              <a:spcAft>
+                <a:spcPts val="0"/>
+              </a:spcAft>
+              <a:buNone/>
             </a:pPr>
             <a:r>
-              <a:rPr lang="pt-BR" sz="1900">
-                <a:solidFill>
-                  <a:srgbClr val="FFFFFF"/>
-                </a:solidFill>
-                <a:latin typeface="Oswald"/>
-                <a:ea typeface="Oswald"/>
-                <a:cs typeface="Oswald"/>
-                <a:sym typeface="Oswald"/>
-              </a:rPr>
-              <a:t>RF010: O sistema deve permitir que o usuário crie uma lista de convidados a partir do evento.</a:t>
+              <a:t/>
             </a:r>
             <a:endParaRPr sz="1900">
               <a:solidFill>
-                <a:srgbClr val="FFFFFF"/>
+                <a:schemeClr val="dk1"/>
+              </a:solidFill>
+              <a:latin typeface="Oswald"/>
+              <a:ea typeface="Oswald"/>
+              <a:cs typeface="Oswald"/>
+              <a:sym typeface="Oswald"/>
+            </a:endParaRPr>
+          </a:p>
+          <a:p>
+            <a:pPr indent="0" lvl="0" marL="0" rtl="0" algn="just">
+              <a:spcBef>
+                <a:spcPts val="0"/>
+              </a:spcBef>
+              <a:spcAft>
+                <a:spcPts val="0"/>
+              </a:spcAft>
+              <a:buNone/>
+            </a:pPr>
+            <a:r>
+              <a:t/>
+            </a:r>
+            <a:endParaRPr sz="1900">
+              <a:solidFill>
+                <a:schemeClr val="dk1"/>
               </a:solidFill>
               <a:latin typeface="Oswald"/>
               <a:ea typeface="Oswald"/>
@@ -8500,7 +8378,7 @@
         </p:nvSpPr>
         <p:spPr>
           <a:xfrm>
-            <a:off x="76200" y="719175"/>
+            <a:off x="76200" y="795375"/>
             <a:ext cx="8859600" cy="4147800"/>
           </a:xfrm>
           <a:prstGeom prst="rect">
@@ -8548,70 +8426,7 @@
             </a:endParaRPr>
           </a:p>
           <a:p>
-            <a:pPr indent="457200" lvl="0" marL="0" rtl="0" algn="l">
-              <a:lnSpc>
-                <a:spcPct val="100000"/>
-              </a:lnSpc>
-              <a:spcBef>
-                <a:spcPts val="0"/>
-              </a:spcBef>
-              <a:spcAft>
-                <a:spcPts val="0"/>
-              </a:spcAft>
-              <a:buNone/>
-            </a:pPr>
-            <a:r>
-              <a:t/>
-            </a:r>
-            <a:endParaRPr sz="1000">
-              <a:solidFill>
-                <a:schemeClr val="dk1"/>
-              </a:solidFill>
-              <a:latin typeface="Oswald"/>
-              <a:ea typeface="Oswald"/>
-              <a:cs typeface="Oswald"/>
-              <a:sym typeface="Oswald"/>
-            </a:endParaRPr>
-          </a:p>
-          <a:p>
-            <a:pPr indent="-349250" lvl="0" marL="457200" rtl="0" algn="just">
-              <a:spcBef>
-                <a:spcPts val="0"/>
-              </a:spcBef>
-              <a:spcAft>
-                <a:spcPts val="0"/>
-              </a:spcAft>
-              <a:buClr>
-                <a:srgbClr val="FFFFFF"/>
-              </a:buClr>
-              <a:buSzPts val="1900"/>
-              <a:buFont typeface="Oswald"/>
-              <a:buChar char="●"/>
-            </a:pPr>
-            <a:r>
-              <a:rPr lang="pt-BR" sz="1900">
-                <a:solidFill>
-                  <a:srgbClr val="FFFFFF"/>
-                </a:solidFill>
-                <a:latin typeface="Oswald"/>
-                <a:ea typeface="Oswald"/>
-                <a:cs typeface="Oswald"/>
-                <a:sym typeface="Oswald"/>
-              </a:rPr>
-              <a:t>RF011: O sistema deve permitir a exclusão e alteração dos convidados do evento.</a:t>
-            </a:r>
-            <a:endParaRPr sz="1900">
-              <a:solidFill>
-                <a:srgbClr val="FFFFFF"/>
-              </a:solidFill>
-              <a:latin typeface="Oswald"/>
-              <a:ea typeface="Oswald"/>
-              <a:cs typeface="Oswald"/>
-              <a:sym typeface="Oswald"/>
-            </a:endParaRPr>
-          </a:p>
-          <a:p>
-            <a:pPr indent="0" lvl="0" marL="457200" rtl="0" algn="just">
+            <a:pPr indent="0" lvl="0" marL="0" rtl="0" algn="just">
               <a:spcBef>
                 <a:spcPts val="0"/>
               </a:spcBef>
@@ -8642,7 +8457,7 @@
                 <a:spcPts val="0"/>
               </a:spcAft>
               <a:buClr>
-                <a:srgbClr val="FFFFFF"/>
+                <a:schemeClr val="dk1"/>
               </a:buClr>
               <a:buSzPts val="1900"/>
               <a:buFont typeface="Oswald"/>
@@ -8651,14 +8466,134 @@
             <a:r>
               <a:rPr lang="pt-BR" sz="1900">
                 <a:solidFill>
-                  <a:srgbClr val="FFFFFF"/>
+                  <a:schemeClr val="dk1"/>
                 </a:solidFill>
                 <a:latin typeface="Oswald"/>
                 <a:ea typeface="Oswald"/>
                 <a:cs typeface="Oswald"/>
                 <a:sym typeface="Oswald"/>
               </a:rPr>
-              <a:t>RF012: O sistema deve ser capaz de calcular as despesas do usuário, a partir de dados fornecidos por ele, conforme evento.</a:t>
+              <a:t>RF020: O sistema deve permitir que nas páginas de categoria de eventos ocorra a  filtragem de empresas pelo estado a que pertence;</a:t>
+            </a:r>
+            <a:endParaRPr sz="1900">
+              <a:solidFill>
+                <a:schemeClr val="dk1"/>
+              </a:solidFill>
+              <a:latin typeface="Oswald"/>
+              <a:ea typeface="Oswald"/>
+              <a:cs typeface="Oswald"/>
+              <a:sym typeface="Oswald"/>
+            </a:endParaRPr>
+          </a:p>
+          <a:p>
+            <a:pPr indent="0" lvl="0" marL="457200" rtl="0" algn="just">
+              <a:spcBef>
+                <a:spcPts val="0"/>
+              </a:spcBef>
+              <a:spcAft>
+                <a:spcPts val="0"/>
+              </a:spcAft>
+              <a:buNone/>
+            </a:pPr>
+            <a:r>
+              <a:t/>
+            </a:r>
+            <a:endParaRPr sz="1900">
+              <a:solidFill>
+                <a:schemeClr val="dk1"/>
+              </a:solidFill>
+              <a:latin typeface="Oswald"/>
+              <a:ea typeface="Oswald"/>
+              <a:cs typeface="Oswald"/>
+              <a:sym typeface="Oswald"/>
+            </a:endParaRPr>
+          </a:p>
+          <a:p>
+            <a:pPr indent="-349250" lvl="0" marL="457200" rtl="0" algn="just">
+              <a:spcBef>
+                <a:spcPts val="0"/>
+              </a:spcBef>
+              <a:spcAft>
+                <a:spcPts val="0"/>
+              </a:spcAft>
+              <a:buClr>
+                <a:schemeClr val="dk1"/>
+              </a:buClr>
+              <a:buSzPts val="1900"/>
+              <a:buFont typeface="Oswald"/>
+              <a:buChar char="●"/>
+            </a:pPr>
+            <a:r>
+              <a:rPr lang="pt-BR" sz="1900">
+                <a:solidFill>
+                  <a:schemeClr val="dk1"/>
+                </a:solidFill>
+                <a:latin typeface="Oswald"/>
+                <a:ea typeface="Oswald"/>
+                <a:cs typeface="Oswald"/>
+                <a:sym typeface="Oswald"/>
+              </a:rPr>
+              <a:t>RF021: O sistema deve permitir que nas páginas de categoria de eventos ocorra a filtragem de empresas pelo serviço prestado;</a:t>
+            </a:r>
+            <a:endParaRPr sz="1900">
+              <a:solidFill>
+                <a:schemeClr val="dk1"/>
+              </a:solidFill>
+              <a:latin typeface="Oswald"/>
+              <a:ea typeface="Oswald"/>
+              <a:cs typeface="Oswald"/>
+              <a:sym typeface="Oswald"/>
+            </a:endParaRPr>
+          </a:p>
+          <a:p>
+            <a:pPr indent="0" lvl="0" marL="457200" rtl="0" algn="just">
+              <a:spcBef>
+                <a:spcPts val="0"/>
+              </a:spcBef>
+              <a:spcAft>
+                <a:spcPts val="0"/>
+              </a:spcAft>
+              <a:buNone/>
+            </a:pPr>
+            <a:r>
+              <a:t/>
+            </a:r>
+            <a:endParaRPr sz="1900">
+              <a:solidFill>
+                <a:schemeClr val="dk1"/>
+              </a:solidFill>
+              <a:latin typeface="Oswald"/>
+              <a:ea typeface="Oswald"/>
+              <a:cs typeface="Oswald"/>
+              <a:sym typeface="Oswald"/>
+            </a:endParaRPr>
+          </a:p>
+          <a:p>
+            <a:pPr indent="-349250" lvl="0" marL="457200" rtl="0" algn="just">
+              <a:spcBef>
+                <a:spcPts val="0"/>
+              </a:spcBef>
+              <a:spcAft>
+                <a:spcPts val="0"/>
+              </a:spcAft>
+              <a:buClr>
+                <a:schemeClr val="dk1"/>
+              </a:buClr>
+              <a:buSzPts val="1900"/>
+              <a:buFont typeface="Oswald"/>
+              <a:buChar char="●"/>
+            </a:pPr>
+            <a:r>
+              <a:rPr lang="pt-BR" sz="1900">
+                <a:solidFill>
+                  <a:schemeClr val="dk1"/>
+                </a:solidFill>
+                <a:latin typeface="Oswald"/>
+                <a:ea typeface="Oswald"/>
+                <a:cs typeface="Oswald"/>
+                <a:sym typeface="Oswald"/>
+              </a:rPr>
+              <a:t>RF023: O sistema deve permitir que o usuário realize logout.</a:t>
             </a:r>
             <a:endParaRPr sz="1900">
               <a:solidFill>
@@ -8671,215 +8606,7 @@
             </a:endParaRPr>
           </a:p>
           <a:p>
-            <a:pPr indent="0" lvl="0" marL="457200" rtl="0" algn="just">
-              <a:spcBef>
-                <a:spcPts val="0"/>
-              </a:spcBef>
-              <a:spcAft>
-                <a:spcPts val="0"/>
-              </a:spcAft>
-              <a:buNone/>
-            </a:pPr>
-            <a:r>
-              <a:t/>
-            </a:r>
-            <a:endParaRPr sz="1900">
-              <a:solidFill>
-                <a:srgbClr val="FFFFFF"/>
-              </a:solidFill>
-              <a:latin typeface="Oswald"/>
-              <a:ea typeface="Oswald"/>
-              <a:cs typeface="Oswald"/>
-              <a:sym typeface="Oswald"/>
-            </a:endParaRPr>
-          </a:p>
-          <a:p>
-            <a:pPr indent="-349250" lvl="0" marL="457200" rtl="0" algn="just">
-              <a:spcBef>
-                <a:spcPts val="0"/>
-              </a:spcBef>
-              <a:spcAft>
-                <a:spcPts val="0"/>
-              </a:spcAft>
-              <a:buClr>
-                <a:srgbClr val="FFFFFF"/>
-              </a:buClr>
-              <a:buSzPts val="1900"/>
-              <a:buFont typeface="Oswald"/>
-              <a:buChar char="●"/>
-            </a:pPr>
-            <a:r>
-              <a:rPr lang="pt-BR" sz="1900">
-                <a:solidFill>
-                  <a:srgbClr val="FFFFFF"/>
-                </a:solidFill>
-                <a:latin typeface="Oswald"/>
-                <a:ea typeface="Oswald"/>
-                <a:cs typeface="Oswald"/>
-                <a:sym typeface="Oswald"/>
-              </a:rPr>
-              <a:t>RF013: O sistema deve permitir a exclusão e alteração das despesas do evento.</a:t>
-            </a:r>
-            <a:endParaRPr sz="1900">
-              <a:solidFill>
-                <a:srgbClr val="FFFFFF"/>
-              </a:solidFill>
-              <a:latin typeface="Oswald"/>
-              <a:ea typeface="Oswald"/>
-              <a:cs typeface="Oswald"/>
-              <a:sym typeface="Oswald"/>
-            </a:endParaRPr>
-          </a:p>
-          <a:p>
-            <a:pPr indent="0" lvl="0" marL="457200" rtl="0" algn="just">
-              <a:spcBef>
-                <a:spcPts val="0"/>
-              </a:spcBef>
-              <a:spcAft>
-                <a:spcPts val="0"/>
-              </a:spcAft>
-              <a:buNone/>
-            </a:pPr>
-            <a:r>
-              <a:t/>
-            </a:r>
-            <a:endParaRPr sz="1900">
-              <a:solidFill>
-                <a:srgbClr val="FFFFFF"/>
-              </a:solidFill>
-              <a:latin typeface="Oswald"/>
-              <a:ea typeface="Oswald"/>
-              <a:cs typeface="Oswald"/>
-              <a:sym typeface="Oswald"/>
-            </a:endParaRPr>
-          </a:p>
-          <a:p>
-            <a:pPr indent="-349250" lvl="0" marL="457200" rtl="0" algn="just">
-              <a:spcBef>
-                <a:spcPts val="0"/>
-              </a:spcBef>
-              <a:spcAft>
-                <a:spcPts val="0"/>
-              </a:spcAft>
-              <a:buClr>
-                <a:srgbClr val="FFFFFF"/>
-              </a:buClr>
-              <a:buSzPts val="1900"/>
-              <a:buFont typeface="Oswald"/>
-              <a:buChar char="●"/>
-            </a:pPr>
-            <a:r>
-              <a:rPr lang="pt-BR" sz="1900">
-                <a:solidFill>
-                  <a:srgbClr val="FFFFFF"/>
-                </a:solidFill>
-                <a:latin typeface="Oswald"/>
-                <a:ea typeface="Oswald"/>
-                <a:cs typeface="Oswald"/>
-                <a:sym typeface="Oswald"/>
-              </a:rPr>
-              <a:t>RF014: O sistema deve permitir que o usuário realize o cadastro de suas empresas.</a:t>
-            </a:r>
-            <a:endParaRPr sz="1900">
-              <a:solidFill>
-                <a:srgbClr val="FFFFFF"/>
-              </a:solidFill>
-              <a:latin typeface="Oswald"/>
-              <a:ea typeface="Oswald"/>
-              <a:cs typeface="Oswald"/>
-              <a:sym typeface="Oswald"/>
-            </a:endParaRPr>
-          </a:p>
-          <a:p>
-            <a:pPr indent="0" lvl="0" marL="457200" rtl="0" algn="just">
-              <a:spcBef>
-                <a:spcPts val="0"/>
-              </a:spcBef>
-              <a:spcAft>
-                <a:spcPts val="0"/>
-              </a:spcAft>
-              <a:buNone/>
-            </a:pPr>
-            <a:r>
-              <a:t/>
-            </a:r>
-            <a:endParaRPr sz="1900">
-              <a:solidFill>
-                <a:srgbClr val="FFFFFF"/>
-              </a:solidFill>
-              <a:latin typeface="Oswald"/>
-              <a:ea typeface="Oswald"/>
-              <a:cs typeface="Oswald"/>
-              <a:sym typeface="Oswald"/>
-            </a:endParaRPr>
-          </a:p>
-          <a:p>
-            <a:pPr indent="-349250" lvl="0" marL="457200" rtl="0" algn="just">
-              <a:spcBef>
-                <a:spcPts val="0"/>
-              </a:spcBef>
-              <a:spcAft>
-                <a:spcPts val="0"/>
-              </a:spcAft>
-              <a:buClr>
-                <a:srgbClr val="FFFFFF"/>
-              </a:buClr>
-              <a:buSzPts val="1900"/>
-              <a:buFont typeface="Oswald"/>
-              <a:buChar char="●"/>
-            </a:pPr>
-            <a:r>
-              <a:rPr lang="pt-BR" sz="1900">
-                <a:solidFill>
-                  <a:srgbClr val="FFFFFF"/>
-                </a:solidFill>
-                <a:latin typeface="Oswald"/>
-                <a:ea typeface="Oswald"/>
-                <a:cs typeface="Oswald"/>
-                <a:sym typeface="Oswald"/>
-              </a:rPr>
-              <a:t>RF015: O sistema deve permitir que o usuário visualize o perfil das empresas, inclusive de sua própria empresa.</a:t>
-            </a:r>
-            <a:endParaRPr sz="1900">
-              <a:solidFill>
-                <a:srgbClr val="FFFFFF"/>
-              </a:solidFill>
-              <a:latin typeface="Oswald"/>
-              <a:ea typeface="Oswald"/>
-              <a:cs typeface="Oswald"/>
-              <a:sym typeface="Oswald"/>
-            </a:endParaRPr>
-          </a:p>
-          <a:p>
-            <a:pPr indent="-349250" lvl="0" marL="457200" rtl="0" algn="just">
-              <a:spcBef>
-                <a:spcPts val="0"/>
-              </a:spcBef>
-              <a:spcAft>
-                <a:spcPts val="0"/>
-              </a:spcAft>
-              <a:buClr>
-                <a:srgbClr val="FFFFFF"/>
-              </a:buClr>
-              <a:buSzPts val="1900"/>
-              <a:buFont typeface="Oswald"/>
-              <a:buChar char="●"/>
-            </a:pPr>
-            <a:r>
-              <a:t/>
-            </a:r>
-            <a:endParaRPr sz="1900">
-              <a:solidFill>
-                <a:srgbClr val="FFFFFF"/>
-              </a:solidFill>
-              <a:latin typeface="Oswald"/>
-              <a:ea typeface="Oswald"/>
-              <a:cs typeface="Oswald"/>
-              <a:sym typeface="Oswald"/>
-            </a:endParaRPr>
-          </a:p>
-          <a:p>
-            <a:pPr indent="0" lvl="0" marL="914400" rtl="0" algn="just">
+            <a:pPr indent="0" lvl="0" marL="0" rtl="0" algn="just">
               <a:spcBef>
                 <a:spcPts val="0"/>
               </a:spcBef>
@@ -8939,842 +8666,6 @@
         <p:spPr>
           <a:xfrm>
             <a:off x="76200" y="76200"/>
-            <a:ext cx="8520600" cy="1348800"/>
-          </a:xfrm>
-          <a:prstGeom prst="rect">
-            <a:avLst/>
-          </a:prstGeom>
-        </p:spPr>
-        <p:txBody>
-          <a:bodyPr anchorCtr="0" anchor="t" bIns="91425" lIns="91425" spcFirstLastPara="1" rIns="91425" wrap="square" tIns="91425">
-            <a:noAutofit/>
-          </a:bodyPr>
-          <a:lstStyle/>
-          <a:p>
-            <a:pPr indent="0" lvl="0" marL="0" rtl="0" algn="l">
-              <a:spcBef>
-                <a:spcPts val="0"/>
-              </a:spcBef>
-              <a:spcAft>
-                <a:spcPts val="0"/>
-              </a:spcAft>
-              <a:buNone/>
-            </a:pPr>
-            <a:r>
-              <a:rPr lang="pt-BR"/>
-              <a:t>2. Especificação de Requisitos</a:t>
-            </a:r>
-            <a:endParaRPr/>
-          </a:p>
-          <a:p>
-            <a:pPr indent="0" lvl="0" marL="0" rtl="0" algn="l">
-              <a:spcBef>
-                <a:spcPts val="0"/>
-              </a:spcBef>
-              <a:spcAft>
-                <a:spcPts val="0"/>
-              </a:spcAft>
-              <a:buNone/>
-            </a:pPr>
-            <a:r>
-              <a:t/>
-            </a:r>
-            <a:endParaRPr/>
-          </a:p>
-        </p:txBody>
-      </p:sp>
-      <p:sp>
-        <p:nvSpPr>
-          <p:cNvPr id="90" name="Google Shape;90;p18"/>
-          <p:cNvSpPr txBox="1"/>
-          <p:nvPr>
-            <p:ph idx="1" type="body"/>
-          </p:nvPr>
-        </p:nvSpPr>
-        <p:spPr>
-          <a:xfrm>
-            <a:off x="76200" y="738025"/>
-            <a:ext cx="9067800" cy="4307400"/>
-          </a:xfrm>
-          <a:prstGeom prst="rect">
-            <a:avLst/>
-          </a:prstGeom>
-        </p:spPr>
-        <p:txBody>
-          <a:bodyPr anchorCtr="0" anchor="t" bIns="91425" lIns="91425" spcFirstLastPara="1" rIns="91425" wrap="square" tIns="91425">
-            <a:noAutofit/>
-          </a:bodyPr>
-          <a:lstStyle/>
-          <a:p>
-            <a:pPr indent="457200" lvl="0" marL="0" rtl="0" algn="l">
-              <a:lnSpc>
-                <a:spcPct val="100000"/>
-              </a:lnSpc>
-              <a:spcBef>
-                <a:spcPts val="0"/>
-              </a:spcBef>
-              <a:spcAft>
-                <a:spcPts val="0"/>
-              </a:spcAft>
-              <a:buNone/>
-            </a:pPr>
-            <a:r>
-              <a:rPr lang="pt-BR" sz="3000">
-                <a:solidFill>
-                  <a:schemeClr val="dk1"/>
-                </a:solidFill>
-                <a:latin typeface="Oswald"/>
-                <a:ea typeface="Oswald"/>
-                <a:cs typeface="Oswald"/>
-                <a:sym typeface="Oswald"/>
-              </a:rPr>
-              <a:t>2.1 Requisitos Funcionais</a:t>
-            </a:r>
-            <a:endParaRPr sz="3000">
-              <a:solidFill>
-                <a:schemeClr val="dk1"/>
-              </a:solidFill>
-              <a:latin typeface="Oswald"/>
-              <a:ea typeface="Oswald"/>
-              <a:cs typeface="Oswald"/>
-              <a:sym typeface="Oswald"/>
-            </a:endParaRPr>
-          </a:p>
-          <a:p>
-            <a:pPr indent="457200" lvl="0" marL="0" rtl="0" algn="l">
-              <a:lnSpc>
-                <a:spcPct val="100000"/>
-              </a:lnSpc>
-              <a:spcBef>
-                <a:spcPts val="0"/>
-              </a:spcBef>
-              <a:spcAft>
-                <a:spcPts val="0"/>
-              </a:spcAft>
-              <a:buNone/>
-            </a:pPr>
-            <a:r>
-              <a:t/>
-            </a:r>
-            <a:endParaRPr sz="1000">
-              <a:solidFill>
-                <a:schemeClr val="dk1"/>
-              </a:solidFill>
-              <a:latin typeface="Oswald"/>
-              <a:ea typeface="Oswald"/>
-              <a:cs typeface="Oswald"/>
-              <a:sym typeface="Oswald"/>
-            </a:endParaRPr>
-          </a:p>
-          <a:p>
-            <a:pPr indent="-349250" lvl="0" marL="457200" rtl="0" algn="just">
-              <a:spcBef>
-                <a:spcPts val="0"/>
-              </a:spcBef>
-              <a:spcAft>
-                <a:spcPts val="0"/>
-              </a:spcAft>
-              <a:buClr>
-                <a:srgbClr val="FFFFFF"/>
-              </a:buClr>
-              <a:buSzPts val="1900"/>
-              <a:buFont typeface="Oswald"/>
-              <a:buChar char="●"/>
-            </a:pPr>
-            <a:r>
-              <a:rPr lang="pt-BR" sz="1900">
-                <a:solidFill>
-                  <a:srgbClr val="FFFFFF"/>
-                </a:solidFill>
-                <a:latin typeface="Oswald"/>
-                <a:ea typeface="Oswald"/>
-                <a:cs typeface="Oswald"/>
-                <a:sym typeface="Oswald"/>
-              </a:rPr>
-              <a:t>RF016: O sistema deve permitir que o usuário proprietário adicione fotos na galeria de fotos no perfil da sua empresa.</a:t>
-            </a:r>
-            <a:endParaRPr sz="1900">
-              <a:solidFill>
-                <a:srgbClr val="FFFFFF"/>
-              </a:solidFill>
-              <a:latin typeface="Oswald"/>
-              <a:ea typeface="Oswald"/>
-              <a:cs typeface="Oswald"/>
-              <a:sym typeface="Oswald"/>
-            </a:endParaRPr>
-          </a:p>
-          <a:p>
-            <a:pPr indent="0" lvl="0" marL="457200" rtl="0" algn="just">
-              <a:spcBef>
-                <a:spcPts val="0"/>
-              </a:spcBef>
-              <a:spcAft>
-                <a:spcPts val="0"/>
-              </a:spcAft>
-              <a:buNone/>
-            </a:pPr>
-            <a:r>
-              <a:t/>
-            </a:r>
-            <a:endParaRPr sz="1900">
-              <a:solidFill>
-                <a:srgbClr val="FFFFFF"/>
-              </a:solidFill>
-              <a:latin typeface="Oswald"/>
-              <a:ea typeface="Oswald"/>
-              <a:cs typeface="Oswald"/>
-              <a:sym typeface="Oswald"/>
-            </a:endParaRPr>
-          </a:p>
-          <a:p>
-            <a:pPr indent="-349250" lvl="0" marL="457200" rtl="0" algn="just">
-              <a:spcBef>
-                <a:spcPts val="0"/>
-              </a:spcBef>
-              <a:spcAft>
-                <a:spcPts val="0"/>
-              </a:spcAft>
-              <a:buClr>
-                <a:srgbClr val="FFFFFF"/>
-              </a:buClr>
-              <a:buSzPts val="1900"/>
-              <a:buFont typeface="Oswald"/>
-              <a:buChar char="●"/>
-            </a:pPr>
-            <a:r>
-              <a:rPr lang="pt-BR" sz="1900">
-                <a:solidFill>
-                  <a:srgbClr val="FFFFFF"/>
-                </a:solidFill>
-                <a:latin typeface="Oswald"/>
-                <a:ea typeface="Oswald"/>
-                <a:cs typeface="Oswald"/>
-                <a:sym typeface="Oswald"/>
-              </a:rPr>
-              <a:t>RF017: O sistema deve permitir a exclusão e alteração de fotos na galeria de fotos no perfil da empresa quando for proprietário.</a:t>
-            </a:r>
-            <a:endParaRPr sz="1900">
-              <a:solidFill>
-                <a:srgbClr val="FFFFFF"/>
-              </a:solidFill>
-              <a:latin typeface="Oswald"/>
-              <a:ea typeface="Oswald"/>
-              <a:cs typeface="Oswald"/>
-              <a:sym typeface="Oswald"/>
-            </a:endParaRPr>
-          </a:p>
-          <a:p>
-            <a:pPr indent="0" lvl="0" marL="457200" rtl="0" algn="just">
-              <a:spcBef>
-                <a:spcPts val="0"/>
-              </a:spcBef>
-              <a:spcAft>
-                <a:spcPts val="0"/>
-              </a:spcAft>
-              <a:buNone/>
-            </a:pPr>
-            <a:r>
-              <a:t/>
-            </a:r>
-            <a:endParaRPr sz="1900">
-              <a:solidFill>
-                <a:srgbClr val="FFFFFF"/>
-              </a:solidFill>
-              <a:latin typeface="Oswald"/>
-              <a:ea typeface="Oswald"/>
-              <a:cs typeface="Oswald"/>
-              <a:sym typeface="Oswald"/>
-            </a:endParaRPr>
-          </a:p>
-          <a:p>
-            <a:pPr indent="-349250" lvl="0" marL="457200" rtl="0" algn="just">
-              <a:spcBef>
-                <a:spcPts val="0"/>
-              </a:spcBef>
-              <a:spcAft>
-                <a:spcPts val="0"/>
-              </a:spcAft>
-              <a:buClr>
-                <a:srgbClr val="FFFFFF"/>
-              </a:buClr>
-              <a:buSzPts val="1900"/>
-              <a:buFont typeface="Oswald"/>
-              <a:buChar char="●"/>
-            </a:pPr>
-            <a:r>
-              <a:rPr lang="pt-BR" sz="1900">
-                <a:solidFill>
-                  <a:srgbClr val="FFFFFF"/>
-                </a:solidFill>
-                <a:latin typeface="Oswald"/>
-                <a:ea typeface="Oswald"/>
-                <a:cs typeface="Oswald"/>
-                <a:sym typeface="Oswald"/>
-              </a:rPr>
-              <a:t>RF018: O sistema deve permitir a exclusão e alteração do perfil da empresa por seu proprietário.</a:t>
-            </a:r>
-            <a:endParaRPr sz="1900">
-              <a:solidFill>
-                <a:srgbClr val="FFFFFF"/>
-              </a:solidFill>
-              <a:latin typeface="Oswald"/>
-              <a:ea typeface="Oswald"/>
-              <a:cs typeface="Oswald"/>
-              <a:sym typeface="Oswald"/>
-            </a:endParaRPr>
-          </a:p>
-          <a:p>
-            <a:pPr indent="0" lvl="0" marL="457200" rtl="0" algn="just">
-              <a:spcBef>
-                <a:spcPts val="0"/>
-              </a:spcBef>
-              <a:spcAft>
-                <a:spcPts val="0"/>
-              </a:spcAft>
-              <a:buNone/>
-            </a:pPr>
-            <a:r>
-              <a:t/>
-            </a:r>
-            <a:endParaRPr sz="1900">
-              <a:solidFill>
-                <a:srgbClr val="FFFFFF"/>
-              </a:solidFill>
-              <a:latin typeface="Oswald"/>
-              <a:ea typeface="Oswald"/>
-              <a:cs typeface="Oswald"/>
-              <a:sym typeface="Oswald"/>
-            </a:endParaRPr>
-          </a:p>
-          <a:p>
-            <a:pPr indent="-349250" lvl="0" marL="457200" rtl="0" algn="just">
-              <a:spcBef>
-                <a:spcPts val="0"/>
-              </a:spcBef>
-              <a:spcAft>
-                <a:spcPts val="0"/>
-              </a:spcAft>
-              <a:buClr>
-                <a:srgbClr val="FFFFFF"/>
-              </a:buClr>
-              <a:buSzPts val="1900"/>
-              <a:buFont typeface="Oswald"/>
-              <a:buChar char="●"/>
-            </a:pPr>
-            <a:r>
-              <a:rPr lang="pt-BR" sz="1900">
-                <a:solidFill>
-                  <a:srgbClr val="FFFFFF"/>
-                </a:solidFill>
-                <a:latin typeface="Oswald"/>
-                <a:ea typeface="Oswald"/>
-                <a:cs typeface="Oswald"/>
-                <a:sym typeface="Oswald"/>
-              </a:rPr>
-              <a:t>RF019: O sistema deve permitir a busca por diversas categorias como: nome da empresa, cidade e categorias de evento. </a:t>
-            </a:r>
-            <a:endParaRPr sz="1900">
-              <a:solidFill>
-                <a:srgbClr val="FFFFFF"/>
-              </a:solidFill>
-              <a:latin typeface="Oswald"/>
-              <a:ea typeface="Oswald"/>
-              <a:cs typeface="Oswald"/>
-              <a:sym typeface="Oswald"/>
-            </a:endParaRPr>
-          </a:p>
-          <a:p>
-            <a:pPr indent="0" lvl="0" marL="914400" rtl="0" algn="just">
-              <a:spcBef>
-                <a:spcPts val="0"/>
-              </a:spcBef>
-              <a:spcAft>
-                <a:spcPts val="0"/>
-              </a:spcAft>
-              <a:buNone/>
-            </a:pPr>
-            <a:r>
-              <a:t/>
-            </a:r>
-            <a:endParaRPr>
-              <a:solidFill>
-                <a:srgbClr val="EFEFEF"/>
-              </a:solidFill>
-              <a:latin typeface="Oswald"/>
-              <a:ea typeface="Oswald"/>
-              <a:cs typeface="Oswald"/>
-              <a:sym typeface="Oswald"/>
-            </a:endParaRPr>
-          </a:p>
-        </p:txBody>
-      </p:sp>
-    </p:spTree>
-  </p:cSld>
-  <p:clrMapOvr>
-    <a:masterClrMapping/>
-  </p:clrMapOvr>
-</p:sld>
-</file>
-
-<file path=ppt/slides/slide7.xml><?xml version="1.0" encoding="utf-8"?>
-<p:sld xmlns:a="http://schemas.openxmlformats.org/drawingml/2006/main" xmlns:r="http://schemas.openxmlformats.org/officeDocument/2006/relationships" xmlns:mc="http://schemas.openxmlformats.org/markup-compatibility/2006" xmlns:mv="urn:schemas-microsoft-com:mac:vml" xmlns:p="http://schemas.openxmlformats.org/presentationml/2006/main" xmlns:c="http://schemas.openxmlformats.org/drawingml/2006/chart" xmlns:dgm="http://schemas.openxmlformats.org/drawingml/2006/diagram" xmlns:o="urn:schemas-microsoft-com:office:office" xmlns:v="urn:schemas-microsoft-com:vml" xmlns:pvml="urn:schemas-microsoft-com:office:powerpoint" xmlns:com="http://schemas.openxmlformats.org/drawingml/2006/compatibility" xmlns:p14="http://schemas.microsoft.com/office/powerpoint/2010/main" xmlns:p15="http://schemas.microsoft.com/office/powerpoint/2012/main">
-  <p:cSld>
-    <p:spTree>
-      <p:nvGrpSpPr>
-        <p:cNvPr id="94" name="Shape 94"/>
-        <p:cNvGrpSpPr/>
-        <p:nvPr/>
-      </p:nvGrpSpPr>
-      <p:grpSpPr>
-        <a:xfrm>
-          <a:off x="0" y="0"/>
-          <a:ext cx="0" cy="0"/>
-          <a:chOff x="0" y="0"/>
-          <a:chExt cx="0" cy="0"/>
-        </a:xfrm>
-      </p:grpSpPr>
-      <p:sp>
-        <p:nvSpPr>
-          <p:cNvPr id="95" name="Google Shape;95;p19"/>
-          <p:cNvSpPr txBox="1"/>
-          <p:nvPr>
-            <p:ph type="title"/>
-          </p:nvPr>
-        </p:nvSpPr>
-        <p:spPr>
-          <a:xfrm>
-            <a:off x="76200" y="76200"/>
-            <a:ext cx="8520600" cy="1348800"/>
-          </a:xfrm>
-          <a:prstGeom prst="rect">
-            <a:avLst/>
-          </a:prstGeom>
-        </p:spPr>
-        <p:txBody>
-          <a:bodyPr anchorCtr="0" anchor="t" bIns="91425" lIns="91425" spcFirstLastPara="1" rIns="91425" wrap="square" tIns="91425">
-            <a:noAutofit/>
-          </a:bodyPr>
-          <a:lstStyle/>
-          <a:p>
-            <a:pPr indent="0" lvl="0" marL="0" rtl="0" algn="l">
-              <a:spcBef>
-                <a:spcPts val="0"/>
-              </a:spcBef>
-              <a:spcAft>
-                <a:spcPts val="0"/>
-              </a:spcAft>
-              <a:buNone/>
-            </a:pPr>
-            <a:r>
-              <a:rPr lang="pt-BR"/>
-              <a:t>2. Especificação de Requisitos</a:t>
-            </a:r>
-            <a:endParaRPr/>
-          </a:p>
-          <a:p>
-            <a:pPr indent="0" lvl="0" marL="0" rtl="0" algn="l">
-              <a:spcBef>
-                <a:spcPts val="0"/>
-              </a:spcBef>
-              <a:spcAft>
-                <a:spcPts val="0"/>
-              </a:spcAft>
-              <a:buNone/>
-            </a:pPr>
-            <a:r>
-              <a:t/>
-            </a:r>
-            <a:endParaRPr/>
-          </a:p>
-        </p:txBody>
-      </p:sp>
-      <p:sp>
-        <p:nvSpPr>
-          <p:cNvPr id="96" name="Google Shape;96;p19"/>
-          <p:cNvSpPr txBox="1"/>
-          <p:nvPr>
-            <p:ph idx="1" type="body"/>
-          </p:nvPr>
-        </p:nvSpPr>
-        <p:spPr>
-          <a:xfrm>
-            <a:off x="76200" y="738025"/>
-            <a:ext cx="9067800" cy="4307400"/>
-          </a:xfrm>
-          <a:prstGeom prst="rect">
-            <a:avLst/>
-          </a:prstGeom>
-        </p:spPr>
-        <p:txBody>
-          <a:bodyPr anchorCtr="0" anchor="t" bIns="91425" lIns="91425" spcFirstLastPara="1" rIns="91425" wrap="square" tIns="91425">
-            <a:noAutofit/>
-          </a:bodyPr>
-          <a:lstStyle/>
-          <a:p>
-            <a:pPr indent="457200" lvl="0" marL="0" rtl="0" algn="l">
-              <a:lnSpc>
-                <a:spcPct val="100000"/>
-              </a:lnSpc>
-              <a:spcBef>
-                <a:spcPts val="0"/>
-              </a:spcBef>
-              <a:spcAft>
-                <a:spcPts val="0"/>
-              </a:spcAft>
-              <a:buNone/>
-            </a:pPr>
-            <a:r>
-              <a:rPr lang="pt-BR" sz="3000">
-                <a:solidFill>
-                  <a:schemeClr val="dk1"/>
-                </a:solidFill>
-                <a:latin typeface="Oswald"/>
-                <a:ea typeface="Oswald"/>
-                <a:cs typeface="Oswald"/>
-                <a:sym typeface="Oswald"/>
-              </a:rPr>
-              <a:t>2.1 Requisitos Funcionais</a:t>
-            </a:r>
-            <a:endParaRPr sz="3000">
-              <a:solidFill>
-                <a:schemeClr val="dk1"/>
-              </a:solidFill>
-              <a:latin typeface="Oswald"/>
-              <a:ea typeface="Oswald"/>
-              <a:cs typeface="Oswald"/>
-              <a:sym typeface="Oswald"/>
-            </a:endParaRPr>
-          </a:p>
-          <a:p>
-            <a:pPr indent="457200" lvl="0" marL="0" rtl="0" algn="l">
-              <a:lnSpc>
-                <a:spcPct val="100000"/>
-              </a:lnSpc>
-              <a:spcBef>
-                <a:spcPts val="0"/>
-              </a:spcBef>
-              <a:spcAft>
-                <a:spcPts val="0"/>
-              </a:spcAft>
-              <a:buNone/>
-            </a:pPr>
-            <a:r>
-              <a:t/>
-            </a:r>
-            <a:endParaRPr sz="1000">
-              <a:solidFill>
-                <a:schemeClr val="dk1"/>
-              </a:solidFill>
-              <a:latin typeface="Oswald"/>
-              <a:ea typeface="Oswald"/>
-              <a:cs typeface="Oswald"/>
-              <a:sym typeface="Oswald"/>
-            </a:endParaRPr>
-          </a:p>
-          <a:p>
-            <a:pPr indent="457200" lvl="0" marL="0" rtl="0" algn="l">
-              <a:lnSpc>
-                <a:spcPct val="100000"/>
-              </a:lnSpc>
-              <a:spcBef>
-                <a:spcPts val="0"/>
-              </a:spcBef>
-              <a:spcAft>
-                <a:spcPts val="0"/>
-              </a:spcAft>
-              <a:buNone/>
-            </a:pPr>
-            <a:r>
-              <a:t/>
-            </a:r>
-            <a:endParaRPr sz="1000">
-              <a:solidFill>
-                <a:schemeClr val="dk1"/>
-              </a:solidFill>
-              <a:latin typeface="Oswald"/>
-              <a:ea typeface="Oswald"/>
-              <a:cs typeface="Oswald"/>
-              <a:sym typeface="Oswald"/>
-            </a:endParaRPr>
-          </a:p>
-          <a:p>
-            <a:pPr indent="-349250" lvl="0" marL="457200" rtl="0" algn="just">
-              <a:spcBef>
-                <a:spcPts val="0"/>
-              </a:spcBef>
-              <a:spcAft>
-                <a:spcPts val="0"/>
-              </a:spcAft>
-              <a:buClr>
-                <a:srgbClr val="FFFFFF"/>
-              </a:buClr>
-              <a:buSzPts val="1900"/>
-              <a:buFont typeface="Oswald"/>
-              <a:buChar char="●"/>
-            </a:pPr>
-            <a:r>
-              <a:rPr lang="pt-BR" sz="1900">
-                <a:solidFill>
-                  <a:srgbClr val="FFFFFF"/>
-                </a:solidFill>
-                <a:latin typeface="Oswald"/>
-                <a:ea typeface="Oswald"/>
-                <a:cs typeface="Oswald"/>
-                <a:sym typeface="Oswald"/>
-              </a:rPr>
-              <a:t>RF020: O sistema deve permitir que nas páginas de categoria de eventos ocorra a  filtragem de empresas pelo estado a que pertence.</a:t>
-            </a:r>
-            <a:endParaRPr sz="1900">
-              <a:solidFill>
-                <a:srgbClr val="FFFFFF"/>
-              </a:solidFill>
-              <a:latin typeface="Oswald"/>
-              <a:ea typeface="Oswald"/>
-              <a:cs typeface="Oswald"/>
-              <a:sym typeface="Oswald"/>
-            </a:endParaRPr>
-          </a:p>
-          <a:p>
-            <a:pPr indent="0" lvl="0" marL="457200" rtl="0" algn="just">
-              <a:spcBef>
-                <a:spcPts val="0"/>
-              </a:spcBef>
-              <a:spcAft>
-                <a:spcPts val="0"/>
-              </a:spcAft>
-              <a:buNone/>
-            </a:pPr>
-            <a:r>
-              <a:t/>
-            </a:r>
-            <a:endParaRPr sz="1900">
-              <a:solidFill>
-                <a:srgbClr val="FFFFFF"/>
-              </a:solidFill>
-              <a:latin typeface="Oswald"/>
-              <a:ea typeface="Oswald"/>
-              <a:cs typeface="Oswald"/>
-              <a:sym typeface="Oswald"/>
-            </a:endParaRPr>
-          </a:p>
-          <a:p>
-            <a:pPr indent="-349250" lvl="0" marL="457200" rtl="0" algn="just">
-              <a:spcBef>
-                <a:spcPts val="0"/>
-              </a:spcBef>
-              <a:spcAft>
-                <a:spcPts val="0"/>
-              </a:spcAft>
-              <a:buClr>
-                <a:srgbClr val="FFFFFF"/>
-              </a:buClr>
-              <a:buSzPts val="1900"/>
-              <a:buFont typeface="Oswald"/>
-              <a:buChar char="●"/>
-            </a:pPr>
-            <a:r>
-              <a:rPr lang="pt-BR" sz="1900">
-                <a:solidFill>
-                  <a:srgbClr val="FFFFFF"/>
-                </a:solidFill>
-                <a:latin typeface="Oswald"/>
-                <a:ea typeface="Oswald"/>
-                <a:cs typeface="Oswald"/>
-                <a:sym typeface="Oswald"/>
-              </a:rPr>
-              <a:t>RF021: O sistema deve permitir que nas páginas de categoria de eventos ocorra a filtragem de empresas pelo serviço prestado.</a:t>
-            </a:r>
-            <a:endParaRPr sz="1900">
-              <a:solidFill>
-                <a:srgbClr val="FFFFFF"/>
-              </a:solidFill>
-              <a:latin typeface="Oswald"/>
-              <a:ea typeface="Oswald"/>
-              <a:cs typeface="Oswald"/>
-              <a:sym typeface="Oswald"/>
-            </a:endParaRPr>
-          </a:p>
-          <a:p>
-            <a:pPr indent="0" lvl="0" marL="457200" rtl="0" algn="just">
-              <a:spcBef>
-                <a:spcPts val="0"/>
-              </a:spcBef>
-              <a:spcAft>
-                <a:spcPts val="0"/>
-              </a:spcAft>
-              <a:buNone/>
-            </a:pPr>
-            <a:r>
-              <a:t/>
-            </a:r>
-            <a:endParaRPr sz="1900">
-              <a:solidFill>
-                <a:srgbClr val="FFFFFF"/>
-              </a:solidFill>
-              <a:latin typeface="Oswald"/>
-              <a:ea typeface="Oswald"/>
-              <a:cs typeface="Oswald"/>
-              <a:sym typeface="Oswald"/>
-            </a:endParaRPr>
-          </a:p>
-          <a:p>
-            <a:pPr indent="-349250" lvl="0" marL="457200" rtl="0" algn="just">
-              <a:spcBef>
-                <a:spcPts val="0"/>
-              </a:spcBef>
-              <a:spcAft>
-                <a:spcPts val="0"/>
-              </a:spcAft>
-              <a:buClr>
-                <a:srgbClr val="FFFFFF"/>
-              </a:buClr>
-              <a:buSzPts val="1900"/>
-              <a:buFont typeface="Oswald"/>
-              <a:buChar char="●"/>
-            </a:pPr>
-            <a:r>
-              <a:rPr lang="pt-BR" sz="1900">
-                <a:solidFill>
-                  <a:srgbClr val="FFFFFF"/>
-                </a:solidFill>
-                <a:latin typeface="Oswald"/>
-                <a:ea typeface="Oswald"/>
-                <a:cs typeface="Oswald"/>
-                <a:sym typeface="Oswald"/>
-              </a:rPr>
-              <a:t>RF022: O sistema deve permitir que o usuário visualize as empresas a partir de sua categoria.</a:t>
-            </a:r>
-            <a:endParaRPr sz="1900">
-              <a:solidFill>
-                <a:srgbClr val="FFFFFF"/>
-              </a:solidFill>
-              <a:latin typeface="Oswald"/>
-              <a:ea typeface="Oswald"/>
-              <a:cs typeface="Oswald"/>
-              <a:sym typeface="Oswald"/>
-            </a:endParaRPr>
-          </a:p>
-          <a:p>
-            <a:pPr indent="0" lvl="0" marL="457200" rtl="0" algn="just">
-              <a:spcBef>
-                <a:spcPts val="0"/>
-              </a:spcBef>
-              <a:spcAft>
-                <a:spcPts val="0"/>
-              </a:spcAft>
-              <a:buNone/>
-            </a:pPr>
-            <a:r>
-              <a:t/>
-            </a:r>
-            <a:endParaRPr sz="1900">
-              <a:solidFill>
-                <a:srgbClr val="FFFFFF"/>
-              </a:solidFill>
-              <a:latin typeface="Oswald"/>
-              <a:ea typeface="Oswald"/>
-              <a:cs typeface="Oswald"/>
-              <a:sym typeface="Oswald"/>
-            </a:endParaRPr>
-          </a:p>
-          <a:p>
-            <a:pPr indent="-349250" lvl="0" marL="457200" rtl="0" algn="just">
-              <a:spcBef>
-                <a:spcPts val="0"/>
-              </a:spcBef>
-              <a:spcAft>
-                <a:spcPts val="0"/>
-              </a:spcAft>
-              <a:buClr>
-                <a:srgbClr val="FFFFFF"/>
-              </a:buClr>
-              <a:buSzPts val="1900"/>
-              <a:buFont typeface="Oswald"/>
-              <a:buChar char="●"/>
-            </a:pPr>
-            <a:r>
-              <a:rPr lang="pt-BR" sz="1900">
-                <a:solidFill>
-                  <a:srgbClr val="FFFFFF"/>
-                </a:solidFill>
-                <a:latin typeface="Oswald"/>
-                <a:ea typeface="Oswald"/>
-                <a:cs typeface="Oswald"/>
-                <a:sym typeface="Oswald"/>
-              </a:rPr>
-              <a:t>RF023: O sistema deve permitir que o usuário realize logout.</a:t>
-            </a:r>
-            <a:endParaRPr sz="1900">
-              <a:solidFill>
-                <a:srgbClr val="FFFFFF"/>
-              </a:solidFill>
-              <a:latin typeface="Oswald"/>
-              <a:ea typeface="Oswald"/>
-              <a:cs typeface="Oswald"/>
-              <a:sym typeface="Oswald"/>
-            </a:endParaRPr>
-          </a:p>
-          <a:p>
-            <a:pPr indent="0" lvl="0" marL="914400" rtl="0" algn="just">
-              <a:spcBef>
-                <a:spcPts val="0"/>
-              </a:spcBef>
-              <a:spcAft>
-                <a:spcPts val="0"/>
-              </a:spcAft>
-              <a:buNone/>
-            </a:pPr>
-            <a:r>
-              <a:t/>
-            </a:r>
-            <a:endParaRPr sz="1900">
-              <a:solidFill>
-                <a:srgbClr val="FFFFFF"/>
-              </a:solidFill>
-              <a:latin typeface="Oswald"/>
-              <a:ea typeface="Oswald"/>
-              <a:cs typeface="Oswald"/>
-              <a:sym typeface="Oswald"/>
-            </a:endParaRPr>
-          </a:p>
-        </p:txBody>
-      </p:sp>
-    </p:spTree>
-  </p:cSld>
-  <p:clrMapOvr>
-    <a:masterClrMapping/>
-  </p:clrMapOvr>
-</p:sld>
-</file>
-
-<file path=ppt/slides/slide8.xml><?xml version="1.0" encoding="utf-8"?>
-<p:sld xmlns:a="http://schemas.openxmlformats.org/drawingml/2006/main" xmlns:r="http://schemas.openxmlformats.org/officeDocument/2006/relationships" xmlns:mc="http://schemas.openxmlformats.org/markup-compatibility/2006" xmlns:mv="urn:schemas-microsoft-com:mac:vml" xmlns:p="http://schemas.openxmlformats.org/presentationml/2006/main" xmlns:c="http://schemas.openxmlformats.org/drawingml/2006/chart" xmlns:dgm="http://schemas.openxmlformats.org/drawingml/2006/diagram" xmlns:o="urn:schemas-microsoft-com:office:office" xmlns:v="urn:schemas-microsoft-com:vml" xmlns:pvml="urn:schemas-microsoft-com:office:powerpoint" xmlns:com="http://schemas.openxmlformats.org/drawingml/2006/compatibility" xmlns:p14="http://schemas.microsoft.com/office/powerpoint/2010/main" xmlns:p15="http://schemas.microsoft.com/office/powerpoint/2012/main">
-  <p:cSld>
-    <p:spTree>
-      <p:nvGrpSpPr>
-        <p:cNvPr id="100" name="Shape 100"/>
-        <p:cNvGrpSpPr/>
-        <p:nvPr/>
-      </p:nvGrpSpPr>
-      <p:grpSpPr>
-        <a:xfrm>
-          <a:off x="0" y="0"/>
-          <a:ext cx="0" cy="0"/>
-          <a:chOff x="0" y="0"/>
-          <a:chExt cx="0" cy="0"/>
-        </a:xfrm>
-      </p:grpSpPr>
-      <p:sp>
-        <p:nvSpPr>
-          <p:cNvPr id="101" name="Google Shape;101;p20"/>
-          <p:cNvSpPr txBox="1"/>
-          <p:nvPr>
-            <p:ph type="title"/>
-          </p:nvPr>
-        </p:nvSpPr>
-        <p:spPr>
-          <a:xfrm>
-            <a:off x="76200" y="76200"/>
             <a:ext cx="8520600" cy="798600"/>
           </a:xfrm>
           <a:prstGeom prst="rect">
@@ -9821,7 +8712,7 @@
       </p:sp>
       <p:sp>
         <p:nvSpPr>
-          <p:cNvPr id="102" name="Google Shape;102;p20"/>
+          <p:cNvPr id="90" name="Google Shape;90;p18"/>
           <p:cNvSpPr txBox="1"/>
           <p:nvPr>
             <p:ph idx="1" type="body"/>
@@ -9872,7 +8763,7 @@
       </p:sp>
       <p:pic>
         <p:nvPicPr>
-          <p:cNvPr id="103" name="Google Shape;103;p20"/>
+          <p:cNvPr id="91" name="Google Shape;91;p18"/>
           <p:cNvPicPr preferRelativeResize="0"/>
           <p:nvPr/>
         </p:nvPicPr>
@@ -9906,12 +8797,12 @@
 </p:sld>
 </file>
 
-<file path=ppt/slides/slide9.xml><?xml version="1.0" encoding="utf-8"?>
+<file path=ppt/slides/slide7.xml><?xml version="1.0" encoding="utf-8"?>
 <p:sld xmlns:a="http://schemas.openxmlformats.org/drawingml/2006/main" xmlns:r="http://schemas.openxmlformats.org/officeDocument/2006/relationships" xmlns:mc="http://schemas.openxmlformats.org/markup-compatibility/2006" xmlns:mv="urn:schemas-microsoft-com:mac:vml" xmlns:p="http://schemas.openxmlformats.org/presentationml/2006/main" xmlns:c="http://schemas.openxmlformats.org/drawingml/2006/chart" xmlns:dgm="http://schemas.openxmlformats.org/drawingml/2006/diagram" xmlns:o="urn:schemas-microsoft-com:office:office" xmlns:v="urn:schemas-microsoft-com:vml" xmlns:pvml="urn:schemas-microsoft-com:office:powerpoint" xmlns:com="http://schemas.openxmlformats.org/drawingml/2006/compatibility" xmlns:p14="http://schemas.microsoft.com/office/powerpoint/2010/main" xmlns:p15="http://schemas.microsoft.com/office/powerpoint/2012/main">
   <p:cSld>
     <p:spTree>
       <p:nvGrpSpPr>
-        <p:cNvPr id="107" name="Shape 107"/>
+        <p:cNvPr id="95" name="Shape 95"/>
         <p:cNvGrpSpPr/>
         <p:nvPr/>
       </p:nvGrpSpPr>
@@ -9925,7 +8816,7 @@
       </p:grpSpPr>
       <p:sp>
         <p:nvSpPr>
-          <p:cNvPr id="108" name="Google Shape;108;p21"/>
+          <p:cNvPr id="96" name="Google Shape;96;p19"/>
           <p:cNvSpPr txBox="1"/>
           <p:nvPr>
             <p:ph idx="1" type="body"/>
@@ -10092,7 +8983,7 @@
       </p:sp>
       <p:pic>
         <p:nvPicPr>
-          <p:cNvPr id="109" name="Google Shape;109;p21"/>
+          <p:cNvPr id="97" name="Google Shape;97;p19"/>
           <p:cNvPicPr preferRelativeResize="0"/>
           <p:nvPr/>
         </p:nvPicPr>
@@ -10126,6 +9017,285 @@
 </file>
 
 <file path=ppt/theme/theme1.xml><?xml version="1.0" encoding="utf-8"?>
+<a:theme xmlns:a="http://schemas.openxmlformats.org/drawingml/2006/main" xmlns:r="http://schemas.openxmlformats.org/officeDocument/2006/relationships">
+  <a:themeElements>
+    <a:clrScheme name="Default">
+      <a:dk1>
+        <a:srgbClr val="000000"/>
+      </a:dk1>
+      <a:lt1>
+        <a:srgbClr val="FFFFFF"/>
+      </a:lt1>
+      <a:dk2>
+        <a:srgbClr val="158158"/>
+      </a:dk2>
+      <a:lt2>
+        <a:srgbClr val="F3F3F3"/>
+      </a:lt2>
+      <a:accent1>
+        <a:srgbClr val="058DC7"/>
+      </a:accent1>
+      <a:accent2>
+        <a:srgbClr val="50B432"/>
+      </a:accent2>
+      <a:accent3>
+        <a:srgbClr val="ED561B"/>
+      </a:accent3>
+      <a:accent4>
+        <a:srgbClr val="EDEF00"/>
+      </a:accent4>
+      <a:accent5>
+        <a:srgbClr val="24CBE5"/>
+      </a:accent5>
+      <a:accent6>
+        <a:srgbClr val="64E572"/>
+      </a:accent6>
+      <a:hlink>
+        <a:srgbClr val="2200CC"/>
+      </a:hlink>
+      <a:folHlink>
+        <a:srgbClr val="551A8B"/>
+      </a:folHlink>
+    </a:clrScheme>
+    <a:fontScheme name="Office">
+      <a:majorFont>
+        <a:latin typeface="Arial"/>
+        <a:ea typeface=""/>
+        <a:cs typeface=""/>
+        <a:font script="Jpan" typeface="ＭＳ Ｐゴシック"/>
+        <a:font script="Hang" typeface="맑은 고딕"/>
+        <a:font script="Hans" typeface="宋体"/>
+        <a:font script="Hant" typeface="新細明體"/>
+        <a:font script="Arab" typeface="Times New Roman"/>
+        <a:font script="Hebr" typeface="Times New Roman"/>
+        <a:font script="Thai" typeface="Angsana New"/>
+        <a:font script="Ethi" typeface="Nyala"/>
+        <a:font script="Beng" typeface="Vrinda"/>
+        <a:font script="Gujr" typeface="Shruti"/>
+        <a:font script="Khmr" typeface="MoolBoran"/>
+        <a:font script="Knda" typeface="Tunga"/>
+        <a:font script="Guru" typeface="Raavi"/>
+        <a:font script="Cans" typeface="Euphemia"/>
+        <a:font script="Cher" typeface="Plantagenet Cherokee"/>
+        <a:font script="Yiii" typeface="Microsoft Yi Baiti"/>
+        <a:font script="Tibt" typeface="Microsoft Himalaya"/>
+        <a:font script="Thaa" typeface="MV Boli"/>
+        <a:font script="Deva" typeface="Mangal"/>
+        <a:font script="Telu" typeface="Gautami"/>
+        <a:font script="Taml" typeface="Latha"/>
+        <a:font script="Syrc" typeface="Estrangelo Edessa"/>
+        <a:font script="Orya" typeface="Kalinga"/>
+        <a:font script="Mlym" typeface="Kartika"/>
+        <a:font script="Laoo" typeface="DokChampa"/>
+        <a:font script="Sinh" typeface="Iskoola Pota"/>
+        <a:font script="Mong" typeface="Mongolian Baiti"/>
+        <a:font script="Viet" typeface="Times New Roman"/>
+        <a:font script="Uigh" typeface="Microsoft Uighur"/>
+        <a:font script="Geor" typeface="Sylfaen"/>
+      </a:majorFont>
+      <a:minorFont>
+        <a:latin typeface="Arial"/>
+        <a:ea typeface=""/>
+        <a:cs typeface=""/>
+        <a:font script="Jpan" typeface="ＭＳ Ｐゴシック"/>
+        <a:font script="Hang" typeface="맑은 고딕"/>
+        <a:font script="Hans" typeface="宋体"/>
+        <a:font script="Hant" typeface="新細明體"/>
+        <a:font script="Arab" typeface="Arial"/>
+        <a:font script="Hebr" typeface="Arial"/>
+        <a:font script="Thai" typeface="Cordia New"/>
+        <a:font script="Ethi" typeface="Nyala"/>
+        <a:font script="Beng" typeface="Vrinda"/>
+        <a:font script="Gujr" typeface="Shruti"/>
+        <a:font script="Khmr" typeface="DaunPenh"/>
+        <a:font script="Knda" typeface="Tunga"/>
+        <a:font script="Guru" typeface="Raavi"/>
+        <a:font script="Cans" typeface="Euphemia"/>
+        <a:font script="Cher" typeface="Plantagenet Cherokee"/>
+        <a:font script="Yiii" typeface="Microsoft Yi Baiti"/>
+        <a:font script="Tibt" typeface="Microsoft Himalaya"/>
+        <a:font script="Thaa" typeface="MV Boli"/>
+        <a:font script="Deva" typeface="Mangal"/>
+        <a:font script="Telu" typeface="Gautami"/>
+        <a:font script="Taml" typeface="Latha"/>
+        <a:font script="Syrc" typeface="Estrangelo Edessa"/>
+        <a:font script="Orya" typeface="Kalinga"/>
+        <a:font script="Mlym" typeface="Kartika"/>
+        <a:font script="Laoo" typeface="DokChampa"/>
+        <a:font script="Sinh" typeface="Iskoola Pota"/>
+        <a:font script="Mong" typeface="Mongolian Baiti"/>
+        <a:font script="Viet" typeface="Arial"/>
+        <a:font script="Uigh" typeface="Microsoft Uighur"/>
+        <a:font script="Geor" typeface="Sylfaen"/>
+      </a:minorFont>
+    </a:fontScheme>
+    <a:fmtScheme name="Office">
+      <a:fillStyleLst>
+        <a:solidFill>
+          <a:schemeClr val="phClr"/>
+        </a:solidFill>
+        <a:gradFill rotWithShape="1">
+          <a:gsLst>
+            <a:gs pos="0">
+              <a:schemeClr val="phClr">
+                <a:tint val="50000"/>
+                <a:satMod val="300000"/>
+              </a:schemeClr>
+            </a:gs>
+            <a:gs pos="35000">
+              <a:schemeClr val="phClr">
+                <a:tint val="37000"/>
+                <a:satMod val="300000"/>
+              </a:schemeClr>
+            </a:gs>
+            <a:gs pos="100000">
+              <a:schemeClr val="phClr">
+                <a:tint val="15000"/>
+                <a:satMod val="350000"/>
+              </a:schemeClr>
+            </a:gs>
+          </a:gsLst>
+          <a:lin ang="16200000" scaled="1"/>
+        </a:gradFill>
+        <a:gradFill rotWithShape="1">
+          <a:gsLst>
+            <a:gs pos="0">
+              <a:schemeClr val="phClr">
+                <a:tint val="100000"/>
+                <a:shade val="100000"/>
+                <a:satMod val="130000"/>
+              </a:schemeClr>
+            </a:gs>
+            <a:gs pos="100000">
+              <a:schemeClr val="phClr">
+                <a:tint val="50000"/>
+                <a:shade val="100000"/>
+                <a:satMod val="350000"/>
+              </a:schemeClr>
+            </a:gs>
+          </a:gsLst>
+          <a:lin ang="16200000" scaled="0"/>
+        </a:gradFill>
+      </a:fillStyleLst>
+      <a:lnStyleLst>
+        <a:ln w="9525" cap="flat" cmpd="sng" algn="ctr">
+          <a:solidFill>
+            <a:schemeClr val="phClr">
+              <a:shade val="95000"/>
+              <a:satMod val="105000"/>
+            </a:schemeClr>
+          </a:solidFill>
+          <a:prstDash val="solid"/>
+        </a:ln>
+        <a:ln w="25400" cap="flat" cmpd="sng" algn="ctr">
+          <a:solidFill>
+            <a:schemeClr val="phClr"/>
+          </a:solidFill>
+          <a:prstDash val="solid"/>
+        </a:ln>
+        <a:ln w="38100" cap="flat" cmpd="sng" algn="ctr">
+          <a:solidFill>
+            <a:schemeClr val="phClr"/>
+          </a:solidFill>
+          <a:prstDash val="solid"/>
+        </a:ln>
+      </a:lnStyleLst>
+      <a:effectStyleLst>
+        <a:effectStyle>
+          <a:effectLst>
+            <a:outerShdw blurRad="40000" dist="20000" dir="5400000" rotWithShape="0">
+              <a:srgbClr val="000000">
+                <a:alpha val="38000"/>
+              </a:srgbClr>
+            </a:outerShdw>
+          </a:effectLst>
+        </a:effectStyle>
+        <a:effectStyle>
+          <a:effectLst>
+            <a:outerShdw blurRad="40000" dist="23000" dir="5400000" rotWithShape="0">
+              <a:srgbClr val="000000">
+                <a:alpha val="35000"/>
+              </a:srgbClr>
+            </a:outerShdw>
+          </a:effectLst>
+        </a:effectStyle>
+        <a:effectStyle>
+          <a:effectLst>
+            <a:outerShdw blurRad="40000" dist="23000" dir="5400000" rotWithShape="0">
+              <a:srgbClr val="000000">
+                <a:alpha val="35000"/>
+              </a:srgbClr>
+            </a:outerShdw>
+          </a:effectLst>
+          <a:scene3d>
+            <a:camera prst="orthographicFront">
+              <a:rot lat="0" lon="0" rev="0"/>
+            </a:camera>
+            <a:lightRig rig="threePt" dir="t">
+              <a:rot lat="0" lon="0" rev="1200000"/>
+            </a:lightRig>
+          </a:scene3d>
+          <a:sp3d>
+            <a:bevelT w="63500" h="25400"/>
+          </a:sp3d>
+        </a:effectStyle>
+      </a:effectStyleLst>
+      <a:bgFillStyleLst>
+        <a:solidFill>
+          <a:schemeClr val="phClr"/>
+        </a:solidFill>
+        <a:gradFill rotWithShape="1">
+          <a:gsLst>
+            <a:gs pos="0">
+              <a:schemeClr val="phClr">
+                <a:tint val="40000"/>
+                <a:satMod val="350000"/>
+              </a:schemeClr>
+            </a:gs>
+            <a:gs pos="40000">
+              <a:schemeClr val="phClr">
+                <a:tint val="45000"/>
+                <a:shade val="99000"/>
+                <a:satMod val="350000"/>
+              </a:schemeClr>
+            </a:gs>
+            <a:gs pos="100000">
+              <a:schemeClr val="phClr">
+                <a:shade val="20000"/>
+                <a:satMod val="255000"/>
+              </a:schemeClr>
+            </a:gs>
+          </a:gsLst>
+          <a:path path="circle">
+            <a:fillToRect l="50000" t="-80000" r="50000" b="180000"/>
+          </a:path>
+        </a:gradFill>
+        <a:gradFill rotWithShape="1">
+          <a:gsLst>
+            <a:gs pos="0">
+              <a:schemeClr val="phClr">
+                <a:tint val="80000"/>
+                <a:satMod val="300000"/>
+              </a:schemeClr>
+            </a:gs>
+            <a:gs pos="100000">
+              <a:schemeClr val="phClr">
+                <a:shade val="30000"/>
+                <a:satMod val="200000"/>
+              </a:schemeClr>
+            </a:gs>
+          </a:gsLst>
+          <a:path path="circle">
+            <a:fillToRect l="50000" t="50000" r="50000" b="50000"/>
+          </a:path>
+        </a:gradFill>
+      </a:bgFillStyleLst>
+    </a:fmtScheme>
+  </a:themeElements>
+</a:theme>
+</file>
+
+<file path=ppt/theme/theme2.xml><?xml version="1.0" encoding="utf-8"?>
 <a:theme xmlns:a="http://schemas.openxmlformats.org/drawingml/2006/main" xmlns:r="http://schemas.openxmlformats.org/officeDocument/2006/relationships" name="Slate">
   <a:themeElements>
     <a:clrScheme name="Slate">
@@ -10402,283 +9572,4 @@
     </a:fmtScheme>
   </a:themeElements>
 </a:theme>
-</file>
-
-<file path=ppt/theme/theme2.xml><?xml version="1.0" encoding="utf-8"?>
-<a:theme xmlns:a="http://schemas.openxmlformats.org/drawingml/2006/main" xmlns:r="http://schemas.openxmlformats.org/officeDocument/2006/relationships">
-  <a:themeElements>
-    <a:clrScheme name="Default">
-      <a:dk1>
-        <a:srgbClr val="000000"/>
-      </a:dk1>
-      <a:lt1>
-        <a:srgbClr val="FFFFFF"/>
-      </a:lt1>
-      <a:dk2>
-        <a:srgbClr val="158158"/>
-      </a:dk2>
-      <a:lt2>
-        <a:srgbClr val="F3F3F3"/>
-      </a:lt2>
-      <a:accent1>
-        <a:srgbClr val="058DC7"/>
-      </a:accent1>
-      <a:accent2>
-        <a:srgbClr val="50B432"/>
-      </a:accent2>
-      <a:accent3>
-        <a:srgbClr val="ED561B"/>
-      </a:accent3>
-      <a:accent4>
-        <a:srgbClr val="EDEF00"/>
-      </a:accent4>
-      <a:accent5>
-        <a:srgbClr val="24CBE5"/>
-      </a:accent5>
-      <a:accent6>
-        <a:srgbClr val="64E572"/>
-      </a:accent6>
-      <a:hlink>
-        <a:srgbClr val="2200CC"/>
-      </a:hlink>
-      <a:folHlink>
-        <a:srgbClr val="551A8B"/>
-      </a:folHlink>
-    </a:clrScheme>
-    <a:fontScheme name="Office">
-      <a:majorFont>
-        <a:latin typeface="Arial"/>
-        <a:ea typeface=""/>
-        <a:cs typeface=""/>
-        <a:font script="Jpan" typeface="ＭＳ Ｐゴシック"/>
-        <a:font script="Hang" typeface="맑은 고딕"/>
-        <a:font script="Hans" typeface="宋体"/>
-        <a:font script="Hant" typeface="新細明體"/>
-        <a:font script="Arab" typeface="Times New Roman"/>
-        <a:font script="Hebr" typeface="Times New Roman"/>
-        <a:font script="Thai" typeface="Angsana New"/>
-        <a:font script="Ethi" typeface="Nyala"/>
-        <a:font script="Beng" typeface="Vrinda"/>
-        <a:font script="Gujr" typeface="Shruti"/>
-        <a:font script="Khmr" typeface="MoolBoran"/>
-        <a:font script="Knda" typeface="Tunga"/>
-        <a:font script="Guru" typeface="Raavi"/>
-        <a:font script="Cans" typeface="Euphemia"/>
-        <a:font script="Cher" typeface="Plantagenet Cherokee"/>
-        <a:font script="Yiii" typeface="Microsoft Yi Baiti"/>
-        <a:font script="Tibt" typeface="Microsoft Himalaya"/>
-        <a:font script="Thaa" typeface="MV Boli"/>
-        <a:font script="Deva" typeface="Mangal"/>
-        <a:font script="Telu" typeface="Gautami"/>
-        <a:font script="Taml" typeface="Latha"/>
-        <a:font script="Syrc" typeface="Estrangelo Edessa"/>
-        <a:font script="Orya" typeface="Kalinga"/>
-        <a:font script="Mlym" typeface="Kartika"/>
-        <a:font script="Laoo" typeface="DokChampa"/>
-        <a:font script="Sinh" typeface="Iskoola Pota"/>
-        <a:font script="Mong" typeface="Mongolian Baiti"/>
-        <a:font script="Viet" typeface="Times New Roman"/>
-        <a:font script="Uigh" typeface="Microsoft Uighur"/>
-        <a:font script="Geor" typeface="Sylfaen"/>
-      </a:majorFont>
-      <a:minorFont>
-        <a:latin typeface="Arial"/>
-        <a:ea typeface=""/>
-        <a:cs typeface=""/>
-        <a:font script="Jpan" typeface="ＭＳ Ｐゴシック"/>
-        <a:font script="Hang" typeface="맑은 고딕"/>
-        <a:font script="Hans" typeface="宋体"/>
-        <a:font script="Hant" typeface="新細明體"/>
-        <a:font script="Arab" typeface="Arial"/>
-        <a:font script="Hebr" typeface="Arial"/>
-        <a:font script="Thai" typeface="Cordia New"/>
-        <a:font script="Ethi" typeface="Nyala"/>
-        <a:font script="Beng" typeface="Vrinda"/>
-        <a:font script="Gujr" typeface="Shruti"/>
-        <a:font script="Khmr" typeface="DaunPenh"/>
-        <a:font script="Knda" typeface="Tunga"/>
-        <a:font script="Guru" typeface="Raavi"/>
-        <a:font script="Cans" typeface="Euphemia"/>
-        <a:font script="Cher" typeface="Plantagenet Cherokee"/>
-        <a:font script="Yiii" typeface="Microsoft Yi Baiti"/>
-        <a:font script="Tibt" typeface="Microsoft Himalaya"/>
-        <a:font script="Thaa" typeface="MV Boli"/>
-        <a:font script="Deva" typeface="Mangal"/>
-        <a:font script="Telu" typeface="Gautami"/>
-        <a:font script="Taml" typeface="Latha"/>
-        <a:font script="Syrc" typeface="Estrangelo Edessa"/>
-        <a:font script="Orya" typeface="Kalinga"/>
-        <a:font script="Mlym" typeface="Kartika"/>
-        <a:font script="Laoo" typeface="DokChampa"/>
-        <a:font script="Sinh" typeface="Iskoola Pota"/>
-        <a:font script="Mong" typeface="Mongolian Baiti"/>
-        <a:font script="Viet" typeface="Arial"/>
-        <a:font script="Uigh" typeface="Microsoft Uighur"/>
-        <a:font script="Geor" typeface="Sylfaen"/>
-      </a:minorFont>
-    </a:fontScheme>
-    <a:fmtScheme name="Office">
-      <a:fillStyleLst>
-        <a:solidFill>
-          <a:schemeClr val="phClr"/>
-        </a:solidFill>
-        <a:gradFill rotWithShape="1">
-          <a:gsLst>
-            <a:gs pos="0">
-              <a:schemeClr val="phClr">
-                <a:tint val="50000"/>
-                <a:satMod val="300000"/>
-              </a:schemeClr>
-            </a:gs>
-            <a:gs pos="35000">
-              <a:schemeClr val="phClr">
-                <a:tint val="37000"/>
-                <a:satMod val="300000"/>
-              </a:schemeClr>
-            </a:gs>
-            <a:gs pos="100000">
-              <a:schemeClr val="phClr">
-                <a:tint val="15000"/>
-                <a:satMod val="350000"/>
-              </a:schemeClr>
-            </a:gs>
-          </a:gsLst>
-          <a:lin ang="16200000" scaled="1"/>
-        </a:gradFill>
-        <a:gradFill rotWithShape="1">
-          <a:gsLst>
-            <a:gs pos="0">
-              <a:schemeClr val="phClr">
-                <a:tint val="100000"/>
-                <a:shade val="100000"/>
-                <a:satMod val="130000"/>
-              </a:schemeClr>
-            </a:gs>
-            <a:gs pos="100000">
-              <a:schemeClr val="phClr">
-                <a:tint val="50000"/>
-                <a:shade val="100000"/>
-                <a:satMod val="350000"/>
-              </a:schemeClr>
-            </a:gs>
-          </a:gsLst>
-          <a:lin ang="16200000" scaled="0"/>
-        </a:gradFill>
-      </a:fillStyleLst>
-      <a:lnStyleLst>
-        <a:ln w="9525" cap="flat" cmpd="sng" algn="ctr">
-          <a:solidFill>
-            <a:schemeClr val="phClr">
-              <a:shade val="95000"/>
-              <a:satMod val="105000"/>
-            </a:schemeClr>
-          </a:solidFill>
-          <a:prstDash val="solid"/>
-        </a:ln>
-        <a:ln w="25400" cap="flat" cmpd="sng" algn="ctr">
-          <a:solidFill>
-            <a:schemeClr val="phClr"/>
-          </a:solidFill>
-          <a:prstDash val="solid"/>
-        </a:ln>
-        <a:ln w="38100" cap="flat" cmpd="sng" algn="ctr">
-          <a:solidFill>
-            <a:schemeClr val="phClr"/>
-          </a:solidFill>
-          <a:prstDash val="solid"/>
-        </a:ln>
-      </a:lnStyleLst>
-      <a:effectStyleLst>
-        <a:effectStyle>
-          <a:effectLst>
-            <a:outerShdw blurRad="40000" dist="20000" dir="5400000" rotWithShape="0">
-              <a:srgbClr val="000000">
-                <a:alpha val="38000"/>
-              </a:srgbClr>
-            </a:outerShdw>
-          </a:effectLst>
-        </a:effectStyle>
-        <a:effectStyle>
-          <a:effectLst>
-            <a:outerShdw blurRad="40000" dist="23000" dir="5400000" rotWithShape="0">
-              <a:srgbClr val="000000">
-                <a:alpha val="35000"/>
-              </a:srgbClr>
-            </a:outerShdw>
-          </a:effectLst>
-        </a:effectStyle>
-        <a:effectStyle>
-          <a:effectLst>
-            <a:outerShdw blurRad="40000" dist="23000" dir="5400000" rotWithShape="0">
-              <a:srgbClr val="000000">
-                <a:alpha val="35000"/>
-              </a:srgbClr>
-            </a:outerShdw>
-          </a:effectLst>
-          <a:scene3d>
-            <a:camera prst="orthographicFront">
-              <a:rot lat="0" lon="0" rev="0"/>
-            </a:camera>
-            <a:lightRig rig="threePt" dir="t">
-              <a:rot lat="0" lon="0" rev="1200000"/>
-            </a:lightRig>
-          </a:scene3d>
-          <a:sp3d>
-            <a:bevelT w="63500" h="25400"/>
-          </a:sp3d>
-        </a:effectStyle>
-      </a:effectStyleLst>
-      <a:bgFillStyleLst>
-        <a:solidFill>
-          <a:schemeClr val="phClr"/>
-        </a:solidFill>
-        <a:gradFill rotWithShape="1">
-          <a:gsLst>
-            <a:gs pos="0">
-              <a:schemeClr val="phClr">
-                <a:tint val="40000"/>
-                <a:satMod val="350000"/>
-              </a:schemeClr>
-            </a:gs>
-            <a:gs pos="40000">
-              <a:schemeClr val="phClr">
-                <a:tint val="45000"/>
-                <a:shade val="99000"/>
-                <a:satMod val="350000"/>
-              </a:schemeClr>
-            </a:gs>
-            <a:gs pos="100000">
-              <a:schemeClr val="phClr">
-                <a:shade val="20000"/>
-                <a:satMod val="255000"/>
-              </a:schemeClr>
-            </a:gs>
-          </a:gsLst>
-          <a:path path="circle">
-            <a:fillToRect l="50000" t="-80000" r="50000" b="180000"/>
-          </a:path>
-        </a:gradFill>
-        <a:gradFill rotWithShape="1">
-          <a:gsLst>
-            <a:gs pos="0">
-              <a:schemeClr val="phClr">
-                <a:tint val="80000"/>
-                <a:satMod val="300000"/>
-              </a:schemeClr>
-            </a:gs>
-            <a:gs pos="100000">
-              <a:schemeClr val="phClr">
-                <a:shade val="30000"/>
-                <a:satMod val="200000"/>
-              </a:schemeClr>
-            </a:gs>
-          </a:gsLst>
-          <a:path path="circle">
-            <a:fillToRect l="50000" t="50000" r="50000" b="50000"/>
-          </a:path>
-        </a:gradFill>
-      </a:bgFillStyleLst>
-    </a:fmtScheme>
-  </a:themeElements>
-</a:theme>
 </file>